--- a/lectures/powerpoints/hands-on-1+washup.pptx
+++ b/lectures/powerpoints/hands-on-1+washup.pptx
@@ -5,23 +5,20 @@
     <p:sldMasterId id="2147483660" r:id="rId1"/>
   </p:sldMasterIdLst>
   <p:notesMasterIdLst>
-    <p:notesMasterId r:id="rId13"/>
+    <p:notesMasterId r:id="rId10"/>
   </p:notesMasterIdLst>
   <p:handoutMasterIdLst>
-    <p:handoutMasterId r:id="rId14"/>
+    <p:handoutMasterId r:id="rId11"/>
   </p:handoutMasterIdLst>
   <p:sldIdLst>
     <p:sldId id="286" r:id="rId2"/>
     <p:sldId id="4761" r:id="rId3"/>
-    <p:sldId id="4770" r:id="rId4"/>
-    <p:sldId id="4762" r:id="rId5"/>
-    <p:sldId id="4763" r:id="rId6"/>
-    <p:sldId id="4765" r:id="rId7"/>
-    <p:sldId id="4764" r:id="rId8"/>
-    <p:sldId id="4766" r:id="rId9"/>
-    <p:sldId id="4767" r:id="rId10"/>
-    <p:sldId id="4768" r:id="rId11"/>
-    <p:sldId id="4769" r:id="rId12"/>
+    <p:sldId id="4762" r:id="rId4"/>
+    <p:sldId id="4765" r:id="rId5"/>
+    <p:sldId id="4764" r:id="rId6"/>
+    <p:sldId id="4766" r:id="rId7"/>
+    <p:sldId id="4767" r:id="rId8"/>
+    <p:sldId id="4768" r:id="rId9"/>
   </p:sldIdLst>
   <p:sldSz cx="12192000" cy="6858000"/>
   <p:notesSz cx="6858000" cy="9144000"/>
@@ -145,7 +142,7 @@
 <file path=ppt/revisionInfo.xml><?xml version="1.0" encoding="utf-8"?>
 <p1510:revInfo xmlns:a="http://schemas.openxmlformats.org/drawingml/2006/main" xmlns:r="http://schemas.openxmlformats.org/officeDocument/2006/relationships" xmlns:p1510="http://schemas.microsoft.com/office/powerpoint/2015/10/main">
   <p1510:revLst>
-    <p1510:client id="{FC271AF9-2AEA-492D-BBE0-1C724531AF59}" v="67" dt="2023-12-03T18:30:11.512"/>
+    <p1510:client id="{83CC9C81-F8EE-4DE1-AFC3-119F5C7D625A}" v="5" dt="2023-12-19T18:41:19.283"/>
   </p1510:revLst>
 </p1510:revInfo>
 </file>
@@ -207,7 +204,7 @@
           <a:p>
             <a:fld id="{237A3326-6BE8-4DE2-A526-66D6DC5DC342}" type="datetimeFigureOut">
               <a:rPr lang="en-GB" smtClean="0"/>
-              <a:t>06/12/2023</a:t>
+              <a:t>19/12/2023</a:t>
             </a:fld>
             <a:endParaRPr lang="en-GB"/>
           </a:p>
@@ -384,7 +381,7 @@
           <a:p>
             <a:fld id="{198E9702-0021-4473-93B9-41638846F4C4}" type="datetimeFigureOut">
               <a:rPr lang="en-GB" smtClean="0"/>
-              <a:t>06/12/2023</a:t>
+              <a:t>19/12/2023</a:t>
             </a:fld>
             <a:endParaRPr lang="en-GB"/>
           </a:p>
@@ -736,216 +733,6 @@
 </p:notes>
 </file>
 
-<file path=ppt/notesSlides/notesSlide10.xml><?xml version="1.0" encoding="utf-8"?>
-<p:notes xmlns:a="http://schemas.openxmlformats.org/drawingml/2006/main" xmlns:r="http://schemas.openxmlformats.org/officeDocument/2006/relationships" xmlns:p="http://schemas.openxmlformats.org/presentationml/2006/main">
-  <p:cSld>
-    <p:spTree>
-      <p:nvGrpSpPr>
-        <p:cNvPr id="1" name=""/>
-        <p:cNvGrpSpPr/>
-        <p:nvPr/>
-      </p:nvGrpSpPr>
-      <p:grpSpPr>
-        <a:xfrm>
-          <a:off x="0" y="0"/>
-          <a:ext cx="0" cy="0"/>
-          <a:chOff x="0" y="0"/>
-          <a:chExt cx="0" cy="0"/>
-        </a:xfrm>
-      </p:grpSpPr>
-      <p:sp>
-        <p:nvSpPr>
-          <p:cNvPr id="2" name="Slide Image Placeholder 1"/>
-          <p:cNvSpPr>
-            <a:spLocks noGrp="1" noRot="1" noChangeAspect="1"/>
-          </p:cNvSpPr>
-          <p:nvPr>
-            <p:ph type="sldImg"/>
-          </p:nvPr>
-        </p:nvSpPr>
-        <p:spPr/>
-      </p:sp>
-      <p:sp>
-        <p:nvSpPr>
-          <p:cNvPr id="3" name="Notes Placeholder 2"/>
-          <p:cNvSpPr>
-            <a:spLocks noGrp="1"/>
-          </p:cNvSpPr>
-          <p:nvPr>
-            <p:ph type="body" idx="1"/>
-          </p:nvPr>
-        </p:nvSpPr>
-        <p:spPr/>
-        <p:txBody>
-          <a:bodyPr/>
-          <a:lstStyle/>
-          <a:p>
-            <a:r>
-              <a:rPr lang="en-US"/>
-              <a:t>When programming the CS-2 device, you’ll leverage our new CSL programming language</a:t>
-            </a:r>
-          </a:p>
-          <a:p>
-            <a:r>
-              <a:rPr lang="en-US"/>
-              <a:t>CSL contains common constructs familiar to most programmers and CSL-specific constructs</a:t>
-            </a:r>
-          </a:p>
-          <a:p>
-            <a:r>
-              <a:rPr lang="en-US"/>
-              <a:t>We’ll cover what some of these look like, </a:t>
-            </a:r>
-          </a:p>
-          <a:p>
-            <a:r>
-              <a:rPr lang="en-US"/>
-              <a:t>But most users who have written C or C++ should be very comfortable using CSL</a:t>
-            </a:r>
-          </a:p>
-        </p:txBody>
-      </p:sp>
-      <p:sp>
-        <p:nvSpPr>
-          <p:cNvPr id="4" name="Slide Number Placeholder 3"/>
-          <p:cNvSpPr>
-            <a:spLocks noGrp="1"/>
-          </p:cNvSpPr>
-          <p:nvPr>
-            <p:ph type="sldNum" sz="quarter" idx="5"/>
-          </p:nvPr>
-        </p:nvSpPr>
-        <p:spPr/>
-        <p:txBody>
-          <a:bodyPr/>
-          <a:lstStyle/>
-          <a:p>
-            <a:fld id="{BB11C354-30B1-BA44-B517-A5A88A902768}" type="slidenum">
-              <a:rPr lang="en-US" smtClean="0"/>
-              <a:t>10</a:t>
-            </a:fld>
-            <a:endParaRPr lang="en-US"/>
-          </a:p>
-        </p:txBody>
-      </p:sp>
-    </p:spTree>
-    <p:extLst>
-      <p:ext uri="{BB962C8B-B14F-4D97-AF65-F5344CB8AC3E}">
-        <p14:creationId xmlns:p14="http://schemas.microsoft.com/office/powerpoint/2010/main" val="1152015030"/>
-      </p:ext>
-    </p:extLst>
-  </p:cSld>
-  <p:clrMapOvr>
-    <a:masterClrMapping/>
-  </p:clrMapOvr>
-</p:notes>
-</file>
-
-<file path=ppt/notesSlides/notesSlide11.xml><?xml version="1.0" encoding="utf-8"?>
-<p:notes xmlns:a="http://schemas.openxmlformats.org/drawingml/2006/main" xmlns:r="http://schemas.openxmlformats.org/officeDocument/2006/relationships" xmlns:p="http://schemas.openxmlformats.org/presentationml/2006/main">
-  <p:cSld>
-    <p:spTree>
-      <p:nvGrpSpPr>
-        <p:cNvPr id="1" name=""/>
-        <p:cNvGrpSpPr/>
-        <p:nvPr/>
-      </p:nvGrpSpPr>
-      <p:grpSpPr>
-        <a:xfrm>
-          <a:off x="0" y="0"/>
-          <a:ext cx="0" cy="0"/>
-          <a:chOff x="0" y="0"/>
-          <a:chExt cx="0" cy="0"/>
-        </a:xfrm>
-      </p:grpSpPr>
-      <p:sp>
-        <p:nvSpPr>
-          <p:cNvPr id="2" name="Slide Image Placeholder 1"/>
-          <p:cNvSpPr>
-            <a:spLocks noGrp="1" noRot="1" noChangeAspect="1"/>
-          </p:cNvSpPr>
-          <p:nvPr>
-            <p:ph type="sldImg"/>
-          </p:nvPr>
-        </p:nvSpPr>
-        <p:spPr/>
-      </p:sp>
-      <p:sp>
-        <p:nvSpPr>
-          <p:cNvPr id="3" name="Notes Placeholder 2"/>
-          <p:cNvSpPr>
-            <a:spLocks noGrp="1"/>
-          </p:cNvSpPr>
-          <p:nvPr>
-            <p:ph type="body" idx="1"/>
-          </p:nvPr>
-        </p:nvSpPr>
-        <p:spPr/>
-        <p:txBody>
-          <a:bodyPr/>
-          <a:lstStyle/>
-          <a:p>
-            <a:r>
-              <a:rPr lang="en-US"/>
-              <a:t>When programming the CS-2 device, you’ll leverage our new CSL programming language</a:t>
-            </a:r>
-          </a:p>
-          <a:p>
-            <a:r>
-              <a:rPr lang="en-US"/>
-              <a:t>CSL contains common constructs familiar to most programmers and CSL-specific constructs</a:t>
-            </a:r>
-          </a:p>
-          <a:p>
-            <a:r>
-              <a:rPr lang="en-US"/>
-              <a:t>We’ll cover what some of these look like, </a:t>
-            </a:r>
-          </a:p>
-          <a:p>
-            <a:r>
-              <a:rPr lang="en-US"/>
-              <a:t>But most users who have written C or C++ should be very comfortable using CSL</a:t>
-            </a:r>
-          </a:p>
-        </p:txBody>
-      </p:sp>
-      <p:sp>
-        <p:nvSpPr>
-          <p:cNvPr id="4" name="Slide Number Placeholder 3"/>
-          <p:cNvSpPr>
-            <a:spLocks noGrp="1"/>
-          </p:cNvSpPr>
-          <p:nvPr>
-            <p:ph type="sldNum" sz="quarter" idx="5"/>
-          </p:nvPr>
-        </p:nvSpPr>
-        <p:spPr/>
-        <p:txBody>
-          <a:bodyPr/>
-          <a:lstStyle/>
-          <a:p>
-            <a:fld id="{BB11C354-30B1-BA44-B517-A5A88A902768}" type="slidenum">
-              <a:rPr lang="en-US" smtClean="0"/>
-              <a:t>11</a:t>
-            </a:fld>
-            <a:endParaRPr lang="en-US"/>
-          </a:p>
-        </p:txBody>
-      </p:sp>
-    </p:spTree>
-    <p:extLst>
-      <p:ext uri="{BB962C8B-B14F-4D97-AF65-F5344CB8AC3E}">
-        <p14:creationId xmlns:p14="http://schemas.microsoft.com/office/powerpoint/2010/main" val="2576268347"/>
-      </p:ext>
-    </p:extLst>
-  </p:cSld>
-  <p:clrMapOvr>
-    <a:masterClrMapping/>
-  </p:clrMapOvr>
-</p:notes>
-</file>
-
 <file path=ppt/notesSlides/notesSlide2.xml><?xml version="1.0" encoding="utf-8"?>
 <p:notes xmlns:a="http://schemas.openxmlformats.org/drawingml/2006/main" xmlns:r="http://schemas.openxmlformats.org/officeDocument/2006/relationships" xmlns:p="http://schemas.openxmlformats.org/presentationml/2006/main">
   <p:cSld>
@@ -1146,7 +933,7 @@
     </p:spTree>
     <p:extLst>
       <p:ext uri="{BB962C8B-B14F-4D97-AF65-F5344CB8AC3E}">
-        <p14:creationId xmlns:p14="http://schemas.microsoft.com/office/powerpoint/2010/main" val="1759871680"/>
+        <p14:creationId xmlns:p14="http://schemas.microsoft.com/office/powerpoint/2010/main" val="2679084350"/>
       </p:ext>
     </p:extLst>
   </p:cSld>
@@ -1251,7 +1038,7 @@
     </p:spTree>
     <p:extLst>
       <p:ext uri="{BB962C8B-B14F-4D97-AF65-F5344CB8AC3E}">
-        <p14:creationId xmlns:p14="http://schemas.microsoft.com/office/powerpoint/2010/main" val="2679084350"/>
+        <p14:creationId xmlns:p14="http://schemas.microsoft.com/office/powerpoint/2010/main" val="3045615905"/>
       </p:ext>
     </p:extLst>
   </p:cSld>
@@ -1356,7 +1143,7 @@
     </p:spTree>
     <p:extLst>
       <p:ext uri="{BB962C8B-B14F-4D97-AF65-F5344CB8AC3E}">
-        <p14:creationId xmlns:p14="http://schemas.microsoft.com/office/powerpoint/2010/main" val="888251269"/>
+        <p14:creationId xmlns:p14="http://schemas.microsoft.com/office/powerpoint/2010/main" val="589068944"/>
       </p:ext>
     </p:extLst>
   </p:cSld>
@@ -1461,7 +1248,7 @@
     </p:spTree>
     <p:extLst>
       <p:ext uri="{BB962C8B-B14F-4D97-AF65-F5344CB8AC3E}">
-        <p14:creationId xmlns:p14="http://schemas.microsoft.com/office/powerpoint/2010/main" val="3045615905"/>
+        <p14:creationId xmlns:p14="http://schemas.microsoft.com/office/powerpoint/2010/main" val="1456115510"/>
       </p:ext>
     </p:extLst>
   </p:cSld>
@@ -1566,7 +1353,7 @@
     </p:spTree>
     <p:extLst>
       <p:ext uri="{BB962C8B-B14F-4D97-AF65-F5344CB8AC3E}">
-        <p14:creationId xmlns:p14="http://schemas.microsoft.com/office/powerpoint/2010/main" val="589068944"/>
+        <p14:creationId xmlns:p14="http://schemas.microsoft.com/office/powerpoint/2010/main" val="2176478624"/>
       </p:ext>
     </p:extLst>
   </p:cSld>
@@ -1671,112 +1458,7 @@
     </p:spTree>
     <p:extLst>
       <p:ext uri="{BB962C8B-B14F-4D97-AF65-F5344CB8AC3E}">
-        <p14:creationId xmlns:p14="http://schemas.microsoft.com/office/powerpoint/2010/main" val="1456115510"/>
-      </p:ext>
-    </p:extLst>
-  </p:cSld>
-  <p:clrMapOvr>
-    <a:masterClrMapping/>
-  </p:clrMapOvr>
-</p:notes>
-</file>
-
-<file path=ppt/notesSlides/notesSlide9.xml><?xml version="1.0" encoding="utf-8"?>
-<p:notes xmlns:a="http://schemas.openxmlformats.org/drawingml/2006/main" xmlns:r="http://schemas.openxmlformats.org/officeDocument/2006/relationships" xmlns:p="http://schemas.openxmlformats.org/presentationml/2006/main">
-  <p:cSld>
-    <p:spTree>
-      <p:nvGrpSpPr>
-        <p:cNvPr id="1" name=""/>
-        <p:cNvGrpSpPr/>
-        <p:nvPr/>
-      </p:nvGrpSpPr>
-      <p:grpSpPr>
-        <a:xfrm>
-          <a:off x="0" y="0"/>
-          <a:ext cx="0" cy="0"/>
-          <a:chOff x="0" y="0"/>
-          <a:chExt cx="0" cy="0"/>
-        </a:xfrm>
-      </p:grpSpPr>
-      <p:sp>
-        <p:nvSpPr>
-          <p:cNvPr id="2" name="Slide Image Placeholder 1"/>
-          <p:cNvSpPr>
-            <a:spLocks noGrp="1" noRot="1" noChangeAspect="1"/>
-          </p:cNvSpPr>
-          <p:nvPr>
-            <p:ph type="sldImg"/>
-          </p:nvPr>
-        </p:nvSpPr>
-        <p:spPr/>
-      </p:sp>
-      <p:sp>
-        <p:nvSpPr>
-          <p:cNvPr id="3" name="Notes Placeholder 2"/>
-          <p:cNvSpPr>
-            <a:spLocks noGrp="1"/>
-          </p:cNvSpPr>
-          <p:nvPr>
-            <p:ph type="body" idx="1"/>
-          </p:nvPr>
-        </p:nvSpPr>
-        <p:spPr/>
-        <p:txBody>
-          <a:bodyPr/>
-          <a:lstStyle/>
-          <a:p>
-            <a:r>
-              <a:rPr lang="en-US"/>
-              <a:t>When programming the CS-2 device, you’ll leverage our new CSL programming language</a:t>
-            </a:r>
-          </a:p>
-          <a:p>
-            <a:r>
-              <a:rPr lang="en-US"/>
-              <a:t>CSL contains common constructs familiar to most programmers and CSL-specific constructs</a:t>
-            </a:r>
-          </a:p>
-          <a:p>
-            <a:r>
-              <a:rPr lang="en-US"/>
-              <a:t>We’ll cover what some of these look like, </a:t>
-            </a:r>
-          </a:p>
-          <a:p>
-            <a:r>
-              <a:rPr lang="en-US"/>
-              <a:t>But most users who have written C or C++ should be very comfortable using CSL</a:t>
-            </a:r>
-          </a:p>
-        </p:txBody>
-      </p:sp>
-      <p:sp>
-        <p:nvSpPr>
-          <p:cNvPr id="4" name="Slide Number Placeholder 3"/>
-          <p:cNvSpPr>
-            <a:spLocks noGrp="1"/>
-          </p:cNvSpPr>
-          <p:nvPr>
-            <p:ph type="sldNum" sz="quarter" idx="5"/>
-          </p:nvPr>
-        </p:nvSpPr>
-        <p:spPr/>
-        <p:txBody>
-          <a:bodyPr/>
-          <a:lstStyle/>
-          <a:p>
-            <a:fld id="{BB11C354-30B1-BA44-B517-A5A88A902768}" type="slidenum">
-              <a:rPr lang="en-US" smtClean="0"/>
-              <a:t>9</a:t>
-            </a:fld>
-            <a:endParaRPr lang="en-US"/>
-          </a:p>
-        </p:txBody>
-      </p:sp>
-    </p:spTree>
-    <p:extLst>
-      <p:ext uri="{BB962C8B-B14F-4D97-AF65-F5344CB8AC3E}">
-        <p14:creationId xmlns:p14="http://schemas.microsoft.com/office/powerpoint/2010/main" val="2176478624"/>
+        <p14:creationId xmlns:p14="http://schemas.microsoft.com/office/powerpoint/2010/main" val="1152015030"/>
       </p:ext>
     </p:extLst>
   </p:cSld>
@@ -1946,7 +1628,7 @@
           <a:p>
             <a:fld id="{B1836D41-3C4D-1D49-AA54-4231464E6415}" type="datetimeFigureOut">
               <a:rPr lang="en-US" smtClean="0"/>
-              <a:t>12/6/23</a:t>
+              <a:t>12/19/2023</a:t>
             </a:fld>
             <a:endParaRPr lang="en-US"/>
           </a:p>
@@ -2150,7 +1832,7 @@
           <a:p>
             <a:fld id="{B1836D41-3C4D-1D49-AA54-4231464E6415}" type="datetimeFigureOut">
               <a:rPr lang="en-US" smtClean="0"/>
-              <a:t>12/6/23</a:t>
+              <a:t>12/19/2023</a:t>
             </a:fld>
             <a:endParaRPr lang="en-US"/>
           </a:p>
@@ -2331,7 +2013,7 @@
           <a:p>
             <a:fld id="{B1836D41-3C4D-1D49-AA54-4231464E6415}" type="datetimeFigureOut">
               <a:rPr lang="en-US" smtClean="0"/>
-              <a:t>12/6/23</a:t>
+              <a:t>12/19/2023</a:t>
             </a:fld>
             <a:endParaRPr lang="en-US"/>
           </a:p>
@@ -2506,7 +2188,7 @@
           <a:p>
             <a:fld id="{B1836D41-3C4D-1D49-AA54-4231464E6415}" type="datetimeFigureOut">
               <a:rPr lang="en-US" smtClean="0"/>
-              <a:t>12/6/23</a:t>
+              <a:t>12/19/2023</a:t>
             </a:fld>
             <a:endParaRPr lang="en-US"/>
           </a:p>
@@ -2754,7 +2436,7 @@
           <a:p>
             <a:fld id="{B1836D41-3C4D-1D49-AA54-4231464E6415}" type="datetimeFigureOut">
               <a:rPr lang="en-US" smtClean="0"/>
-              <a:t>12/6/23</a:t>
+              <a:t>12/19/2023</a:t>
             </a:fld>
             <a:endParaRPr lang="en-US"/>
           </a:p>
@@ -3071,7 +2753,7 @@
           <a:p>
             <a:fld id="{B1836D41-3C4D-1D49-AA54-4231464E6415}" type="datetimeFigureOut">
               <a:rPr lang="en-US" smtClean="0"/>
-              <a:t>12/6/23</a:t>
+              <a:t>12/19/2023</a:t>
             </a:fld>
             <a:endParaRPr lang="en-US"/>
           </a:p>
@@ -3537,7 +3219,7 @@
           <a:p>
             <a:fld id="{B1836D41-3C4D-1D49-AA54-4231464E6415}" type="datetimeFigureOut">
               <a:rPr lang="en-US" smtClean="0"/>
-              <a:t>12/6/23</a:t>
+              <a:t>12/19/2023</a:t>
             </a:fld>
             <a:endParaRPr lang="en-US"/>
           </a:p>
@@ -3684,7 +3366,7 @@
           <a:p>
             <a:fld id="{B1836D41-3C4D-1D49-AA54-4231464E6415}" type="datetimeFigureOut">
               <a:rPr lang="en-US" smtClean="0"/>
-              <a:t>12/6/23</a:t>
+              <a:t>12/19/2023</a:t>
             </a:fld>
             <a:endParaRPr lang="en-US"/>
           </a:p>
@@ -3774,7 +3456,7 @@
           <a:p>
             <a:fld id="{B1836D41-3C4D-1D49-AA54-4231464E6415}" type="datetimeFigureOut">
               <a:rPr lang="en-US" smtClean="0"/>
-              <a:t>12/6/23</a:t>
+              <a:t>12/19/2023</a:t>
             </a:fld>
             <a:endParaRPr lang="en-US"/>
           </a:p>
@@ -4048,7 +3730,7 @@
           <a:p>
             <a:fld id="{B1836D41-3C4D-1D49-AA54-4231464E6415}" type="datetimeFigureOut">
               <a:rPr lang="en-US" smtClean="0"/>
-              <a:t>12/6/23</a:t>
+              <a:t>12/19/2023</a:t>
             </a:fld>
             <a:endParaRPr lang="en-US"/>
           </a:p>
@@ -4353,7 +4035,7 @@
           <a:p>
             <a:fld id="{B1836D41-3C4D-1D49-AA54-4231464E6415}" type="datetimeFigureOut">
               <a:rPr lang="en-US" smtClean="0"/>
-              <a:t>12/6/23</a:t>
+              <a:t>12/19/2023</a:t>
             </a:fld>
             <a:endParaRPr lang="en-US"/>
           </a:p>
@@ -4650,7 +4332,7 @@
           <a:p>
             <a:fld id="{B1836D41-3C4D-1D49-AA54-4231464E6415}" type="datetimeFigureOut">
               <a:rPr lang="en-US" smtClean="0"/>
-              <a:t>12/6/23</a:t>
+              <a:t>12/19/2023</a:t>
             </a:fld>
             <a:endParaRPr lang="en-US"/>
           </a:p>
@@ -5222,227 +4904,10 @@
       </p:pic>
       <p:pic>
         <p:nvPicPr>
-          <p:cNvPr id="4" name="Picture 2" descr="Product - Chip - Cerebras">
+          <p:cNvPr id="2" name="Picture 1">
             <a:extLst>
               <a:ext uri="{FF2B5EF4-FFF2-40B4-BE49-F238E27FC236}">
-                <a16:creationId xmlns:a16="http://schemas.microsoft.com/office/drawing/2014/main" id="{59064D1E-C053-1E43-5898-56E21257BFAC}"/>
-              </a:ext>
-            </a:extLst>
-          </p:cNvPr>
-          <p:cNvPicPr>
-            <a:picLocks noChangeAspect="1" noChangeArrowheads="1"/>
-          </p:cNvPicPr>
-          <p:nvPr/>
-        </p:nvPicPr>
-        <p:blipFill>
-          <a:blip r:embed="rId6">
-            <a:extLst>
-              <a:ext uri="{28A0092B-C50C-407E-A947-70E740481C1C}">
-                <a14:useLocalDpi xmlns:a14="http://schemas.microsoft.com/office/drawing/2010/main" val="0"/>
-              </a:ext>
-            </a:extLst>
-          </a:blip>
-          <a:srcRect/>
-          <a:stretch>
-            <a:fillRect/>
-          </a:stretch>
-        </p:blipFill>
-        <p:spPr bwMode="auto">
-          <a:xfrm>
-            <a:off x="4196979" y="2265153"/>
-            <a:ext cx="3570782" cy="3570782"/>
-          </a:xfrm>
-          <a:prstGeom prst="rect">
-            <a:avLst/>
-          </a:prstGeom>
-          <a:noFill/>
-          <a:extLst>
-            <a:ext uri="{909E8E84-426E-40DD-AFC4-6F175D3DCCD1}">
-              <a14:hiddenFill xmlns:a14="http://schemas.microsoft.com/office/drawing/2010/main">
-                <a:solidFill>
-                  <a:srgbClr val="FFFFFF"/>
-                </a:solidFill>
-              </a14:hiddenFill>
-            </a:ext>
-          </a:extLst>
-        </p:spPr>
-      </p:pic>
-    </p:spTree>
-    <p:extLst>
-      <p:ext uri="{BB962C8B-B14F-4D97-AF65-F5344CB8AC3E}">
-        <p14:creationId xmlns:p14="http://schemas.microsoft.com/office/powerpoint/2010/main" val="2573018057"/>
-      </p:ext>
-    </p:extLst>
-  </p:cSld>
-  <p:clrMapOvr>
-    <a:masterClrMapping/>
-  </p:clrMapOvr>
-</p:sld>
-</file>
-
-<file path=ppt/slides/slide10.xml><?xml version="1.0" encoding="utf-8"?>
-<p:sld xmlns:a="http://schemas.openxmlformats.org/drawingml/2006/main" xmlns:r="http://schemas.openxmlformats.org/officeDocument/2006/relationships" xmlns:p="http://schemas.openxmlformats.org/presentationml/2006/main">
-  <p:cSld>
-    <p:spTree>
-      <p:nvGrpSpPr>
-        <p:cNvPr id="1" name=""/>
-        <p:cNvGrpSpPr/>
-        <p:nvPr/>
-      </p:nvGrpSpPr>
-      <p:grpSpPr>
-        <a:xfrm>
-          <a:off x="0" y="0"/>
-          <a:ext cx="0" cy="0"/>
-          <a:chOff x="0" y="0"/>
-          <a:chExt cx="0" cy="0"/>
-        </a:xfrm>
-      </p:grpSpPr>
-      <p:sp>
-        <p:nvSpPr>
-          <p:cNvPr id="3" name="Content Placeholder 2">
-            <a:extLst>
-              <a:ext uri="{FF2B5EF4-FFF2-40B4-BE49-F238E27FC236}">
-                <a16:creationId xmlns:a16="http://schemas.microsoft.com/office/drawing/2014/main" id="{67061966-FAF3-F54F-95A0-AD61FD51424D}"/>
-              </a:ext>
-            </a:extLst>
-          </p:cNvPr>
-          <p:cNvSpPr>
-            <a:spLocks noGrp="1"/>
-          </p:cNvSpPr>
-          <p:nvPr>
-            <p:ph idx="1"/>
-          </p:nvPr>
-        </p:nvSpPr>
-        <p:spPr>
-          <a:xfrm>
-            <a:off x="361543" y="1556792"/>
-            <a:ext cx="10998200" cy="4824518"/>
-          </a:xfrm>
-        </p:spPr>
-        <p:txBody>
-          <a:bodyPr>
-            <a:normAutofit/>
-          </a:bodyPr>
-          <a:lstStyle/>
-          <a:p>
-            <a:r>
-              <a:rPr lang="en-AU" dirty="0"/>
-              <a:t>Single for loop + @</a:t>
-            </a:r>
-            <a:r>
-              <a:rPr lang="en-AU" dirty="0" err="1"/>
-              <a:t>fmacs</a:t>
-            </a:r>
-            <a:r>
-              <a:rPr lang="en-AU" dirty="0"/>
-              <a:t> (multiply-add – single precision)</a:t>
-            </a:r>
-          </a:p>
-          <a:p>
-            <a:endParaRPr lang="en-AU" dirty="0"/>
-          </a:p>
-          <a:p>
-            <a:r>
-              <a:rPr lang="en-AU" dirty="0"/>
-              <a:t>Each for-loop step </a:t>
-            </a:r>
-            <a:r>
-              <a:rPr lang="en-AU" dirty="0" err="1"/>
-              <a:t>incremenets</a:t>
-            </a:r>
-            <a:r>
-              <a:rPr lang="en-AU" dirty="0"/>
-              <a:t> </a:t>
-            </a:r>
-            <a:r>
-              <a:rPr lang="en-AU" dirty="0" err="1"/>
-              <a:t>dsd</a:t>
-            </a:r>
-            <a:r>
-              <a:rPr lang="en-AU" dirty="0"/>
-              <a:t> offset, i.e. access next column</a:t>
-            </a:r>
-          </a:p>
-          <a:p>
-            <a:r>
-              <a:rPr lang="en-AU" dirty="0" err="1"/>
-              <a:t>fadds</a:t>
-            </a:r>
-            <a:r>
-              <a:rPr lang="en-AU" dirty="0"/>
-              <a:t> for final addition of b</a:t>
-            </a:r>
-          </a:p>
-          <a:p>
-            <a:endParaRPr lang="en-AU" dirty="0"/>
-          </a:p>
-          <a:p>
-            <a:endParaRPr lang="en-AU" b="0" dirty="0">
-              <a:solidFill>
-                <a:srgbClr val="CCCCCC"/>
-              </a:solidFill>
-              <a:effectLst/>
-              <a:latin typeface="Menlo" panose="020B0609030804020204" pitchFamily="49" charset="0"/>
-            </a:endParaRPr>
-          </a:p>
-          <a:p>
-            <a:endParaRPr lang="en-GB" b="0" dirty="0">
-              <a:solidFill>
-                <a:srgbClr val="CCCCCC"/>
-              </a:solidFill>
-              <a:effectLst/>
-              <a:latin typeface="Menlo" panose="020B0609030804020204" pitchFamily="49" charset="0"/>
-            </a:endParaRPr>
-          </a:p>
-        </p:txBody>
-      </p:sp>
-      <p:sp>
-        <p:nvSpPr>
-          <p:cNvPr id="2" name="Title 1">
-            <a:extLst>
-              <a:ext uri="{FF2B5EF4-FFF2-40B4-BE49-F238E27FC236}">
-                <a16:creationId xmlns:a16="http://schemas.microsoft.com/office/drawing/2014/main" id="{9C32B9BB-9B28-D34A-8B6B-CA0763BA5B81}"/>
-              </a:ext>
-            </a:extLst>
-          </p:cNvPr>
-          <p:cNvSpPr>
-            <a:spLocks noGrp="1"/>
-          </p:cNvSpPr>
-          <p:nvPr>
-            <p:ph type="title"/>
-          </p:nvPr>
-        </p:nvSpPr>
-        <p:spPr>
-          <a:xfrm>
-            <a:off x="361543" y="508958"/>
-            <a:ext cx="10998200" cy="795852"/>
-          </a:xfrm>
-        </p:spPr>
-        <p:txBody>
-          <a:bodyPr/>
-          <a:lstStyle/>
-          <a:p>
-            <a:r>
-              <a:rPr lang="en-US" dirty="0"/>
-              <a:t>Wash-up for ex1: </a:t>
-            </a:r>
-            <a:r>
-              <a:rPr lang="en-US" dirty="0" err="1"/>
-              <a:t>gemv</a:t>
-            </a:r>
-            <a:r>
-              <a:rPr lang="en-US" dirty="0"/>
-              <a:t>() solution B:</a:t>
-            </a:r>
-          </a:p>
-        </p:txBody>
-      </p:sp>
-      <p:pic>
-        <p:nvPicPr>
-          <p:cNvPr id="6" name="Picture 5" descr="A computer screen with text&#10;&#10;Description automatically generated">
-            <a:extLst>
-              <a:ext uri="{FF2B5EF4-FFF2-40B4-BE49-F238E27FC236}">
-                <a16:creationId xmlns:a16="http://schemas.microsoft.com/office/drawing/2014/main" id="{CB00C414-F8E6-3F5E-EEDD-56F6D5683248}"/>
+                <a16:creationId xmlns:a16="http://schemas.microsoft.com/office/drawing/2014/main" id="{0B33CD05-9060-5D95-3BE0-69B45DE212D0}"/>
               </a:ext>
             </a:extLst>
           </p:cNvPr>
@@ -5451,16 +4916,53 @@
           </p:cNvPicPr>
           <p:nvPr/>
         </p:nvPicPr>
-        <p:blipFill>
-          <a:blip r:embed="rId3"/>
-          <a:stretch>
-            <a:fillRect/>
-          </a:stretch>
+        <p:blipFill rotWithShape="1">
+          <a:blip r:embed="rId6" cstate="print">
+            <a:extLst>
+              <a:ext uri="{28A0092B-C50C-407E-A947-70E740481C1C}">
+                <a14:useLocalDpi xmlns:a14="http://schemas.microsoft.com/office/drawing/2010/main"/>
+              </a:ext>
+            </a:extLst>
+          </a:blip>
+          <a:srcRect/>
+          <a:stretch/>
         </p:blipFill>
         <p:spPr>
           <a:xfrm>
-            <a:off x="832257" y="3429000"/>
-            <a:ext cx="7772400" cy="3157537"/>
+            <a:off x="4759236" y="1906682"/>
+            <a:ext cx="7169412" cy="3724389"/>
+          </a:xfrm>
+          <a:prstGeom prst="rect">
+            <a:avLst/>
+          </a:prstGeom>
+        </p:spPr>
+      </p:pic>
+      <p:pic>
+        <p:nvPicPr>
+          <p:cNvPr id="5" name="Picture 4">
+            <a:extLst>
+              <a:ext uri="{FF2B5EF4-FFF2-40B4-BE49-F238E27FC236}">
+                <a16:creationId xmlns:a16="http://schemas.microsoft.com/office/drawing/2014/main" id="{26ABFE36-F9CB-6BFA-90EB-7E12F2149B63}"/>
+              </a:ext>
+              <a:ext uri="{C183D7F6-B498-43B3-948B-1728B52AA6E4}">
+                <adec:decorative xmlns:adec="http://schemas.microsoft.com/office/drawing/2017/decorative" val="1"/>
+              </a:ext>
+            </a:extLst>
+          </p:cNvPr>
+          <p:cNvPicPr>
+            <a:picLocks noChangeAspect="1"/>
+          </p:cNvPicPr>
+          <p:nvPr/>
+        </p:nvPicPr>
+        <p:blipFill rotWithShape="1">
+          <a:blip r:embed="rId7"/>
+          <a:srcRect l="20566" r="17432"/>
+          <a:stretch/>
+        </p:blipFill>
+        <p:spPr>
+          <a:xfrm>
+            <a:off x="617655" y="1893479"/>
+            <a:ext cx="3052344" cy="3892770"/>
           </a:xfrm>
           <a:prstGeom prst="rect">
             <a:avLst/>
@@ -5470,106 +4972,7 @@
     </p:spTree>
     <p:extLst>
       <p:ext uri="{BB962C8B-B14F-4D97-AF65-F5344CB8AC3E}">
-        <p14:creationId xmlns:p14="http://schemas.microsoft.com/office/powerpoint/2010/main" val="2144659150"/>
-      </p:ext>
-    </p:extLst>
-  </p:cSld>
-  <p:clrMapOvr>
-    <a:masterClrMapping/>
-  </p:clrMapOvr>
-</p:sld>
-</file>
-
-<file path=ppt/slides/slide11.xml><?xml version="1.0" encoding="utf-8"?>
-<p:sld xmlns:a="http://schemas.openxmlformats.org/drawingml/2006/main" xmlns:r="http://schemas.openxmlformats.org/officeDocument/2006/relationships" xmlns:p="http://schemas.openxmlformats.org/presentationml/2006/main">
-  <p:cSld>
-    <p:spTree>
-      <p:nvGrpSpPr>
-        <p:cNvPr id="1" name=""/>
-        <p:cNvGrpSpPr/>
-        <p:nvPr/>
-      </p:nvGrpSpPr>
-      <p:grpSpPr>
-        <a:xfrm>
-          <a:off x="0" y="0"/>
-          <a:ext cx="0" cy="0"/>
-          <a:chOff x="0" y="0"/>
-          <a:chExt cx="0" cy="0"/>
-        </a:xfrm>
-      </p:grpSpPr>
-      <p:sp>
-        <p:nvSpPr>
-          <p:cNvPr id="3" name="Content Placeholder 2">
-            <a:extLst>
-              <a:ext uri="{FF2B5EF4-FFF2-40B4-BE49-F238E27FC236}">
-                <a16:creationId xmlns:a16="http://schemas.microsoft.com/office/drawing/2014/main" id="{67061966-FAF3-F54F-95A0-AD61FD51424D}"/>
-              </a:ext>
-            </a:extLst>
-          </p:cNvPr>
-          <p:cNvSpPr>
-            <a:spLocks noGrp="1"/>
-          </p:cNvSpPr>
-          <p:nvPr>
-            <p:ph idx="1"/>
-          </p:nvPr>
-        </p:nvSpPr>
-        <p:spPr>
-          <a:xfrm>
-            <a:off x="361543" y="1556792"/>
-            <a:ext cx="10998200" cy="4824518"/>
-          </a:xfrm>
-        </p:spPr>
-        <p:txBody>
-          <a:bodyPr>
-            <a:normAutofit/>
-          </a:bodyPr>
-          <a:lstStyle/>
-          <a:p>
-            <a:r>
-              <a:rPr lang="en-AU" dirty="0"/>
-              <a:t>Questions?</a:t>
-            </a:r>
-            <a:endParaRPr lang="en-US" dirty="0"/>
-          </a:p>
-        </p:txBody>
-      </p:sp>
-      <p:sp>
-        <p:nvSpPr>
-          <p:cNvPr id="2" name="Title 1">
-            <a:extLst>
-              <a:ext uri="{FF2B5EF4-FFF2-40B4-BE49-F238E27FC236}">
-                <a16:creationId xmlns:a16="http://schemas.microsoft.com/office/drawing/2014/main" id="{9C32B9BB-9B28-D34A-8B6B-CA0763BA5B81}"/>
-              </a:ext>
-            </a:extLst>
-          </p:cNvPr>
-          <p:cNvSpPr>
-            <a:spLocks noGrp="1"/>
-          </p:cNvSpPr>
-          <p:nvPr>
-            <p:ph type="title"/>
-          </p:nvPr>
-        </p:nvSpPr>
-        <p:spPr>
-          <a:xfrm>
-            <a:off x="361543" y="508958"/>
-            <a:ext cx="10998200" cy="795852"/>
-          </a:xfrm>
-        </p:spPr>
-        <p:txBody>
-          <a:bodyPr/>
-          <a:lstStyle/>
-          <a:p>
-            <a:r>
-              <a:rPr lang="en-US" dirty="0"/>
-              <a:t>Wash-up for ex1:</a:t>
-            </a:r>
-          </a:p>
-        </p:txBody>
-      </p:sp>
-    </p:spTree>
-    <p:extLst>
-      <p:ext uri="{BB962C8B-B14F-4D97-AF65-F5344CB8AC3E}">
-        <p14:creationId xmlns:p14="http://schemas.microsoft.com/office/powerpoint/2010/main" val="3832980059"/>
+        <p14:creationId xmlns:p14="http://schemas.microsoft.com/office/powerpoint/2010/main" val="2573018057"/>
       </p:ext>
     </p:extLst>
   </p:cSld>
@@ -5615,7 +5018,7 @@
         <p:spPr>
           <a:xfrm>
             <a:off x="361543" y="1556792"/>
-            <a:ext cx="10998200" cy="4824518"/>
+            <a:ext cx="5166520" cy="4824518"/>
           </a:xfrm>
         </p:spPr>
         <p:txBody>
@@ -5702,11 +5105,41 @@
           <a:p>
             <a:r>
               <a:rPr lang="en-US" dirty="0"/>
-              <a:t>Objective</a:t>
-            </a:r>
-          </a:p>
-        </p:txBody>
-      </p:sp>
+              <a:t>Objective and steps</a:t>
+            </a:r>
+          </a:p>
+        </p:txBody>
+      </p:sp>
+      <p:pic>
+        <p:nvPicPr>
+          <p:cNvPr id="4" name="Content Placeholder 5" descr="A screenshot of a diagram&#10;&#10;Description automatically generated">
+            <a:extLst>
+              <a:ext uri="{FF2B5EF4-FFF2-40B4-BE49-F238E27FC236}">
+                <a16:creationId xmlns:a16="http://schemas.microsoft.com/office/drawing/2014/main" id="{9704C83C-AE17-D244-9CD0-3C6B64582B5F}"/>
+              </a:ext>
+            </a:extLst>
+          </p:cNvPr>
+          <p:cNvPicPr>
+            <a:picLocks noChangeAspect="1"/>
+          </p:cNvPicPr>
+          <p:nvPr/>
+        </p:nvPicPr>
+        <p:blipFill>
+          <a:blip r:embed="rId3"/>
+          <a:stretch>
+            <a:fillRect/>
+          </a:stretch>
+        </p:blipFill>
+        <p:spPr>
+          <a:xfrm>
+            <a:off x="6528048" y="384848"/>
+            <a:ext cx="5456054" cy="6411456"/>
+          </a:xfrm>
+          <a:prstGeom prst="rect">
+            <a:avLst/>
+          </a:prstGeom>
+        </p:spPr>
+      </p:pic>
     </p:spTree>
     <p:extLst>
       <p:ext uri="{BB962C8B-B14F-4D97-AF65-F5344CB8AC3E}">
@@ -5737,35 +5170,140 @@
           <a:chExt cx="0" cy="0"/>
         </a:xfrm>
       </p:grpSpPr>
-      <p:pic>
-        <p:nvPicPr>
-          <p:cNvPr id="6" name="Content Placeholder 5" descr="A screenshot of a diagram&#10;&#10;Description automatically generated">
+      <p:sp>
+        <p:nvSpPr>
+          <p:cNvPr id="3" name="Content Placeholder 2">
             <a:extLst>
               <a:ext uri="{FF2B5EF4-FFF2-40B4-BE49-F238E27FC236}">
-                <a16:creationId xmlns:a16="http://schemas.microsoft.com/office/drawing/2014/main" id="{C7BBEAF2-72D6-9B12-1F3C-4E48AAD0247F}"/>
+                <a16:creationId xmlns:a16="http://schemas.microsoft.com/office/drawing/2014/main" id="{67061966-FAF3-F54F-95A0-AD61FD51424D}"/>
               </a:ext>
             </a:extLst>
           </p:cNvPr>
-          <p:cNvPicPr>
-            <a:picLocks noGrp="1" noChangeAspect="1"/>
-          </p:cNvPicPr>
+          <p:cNvSpPr>
+            <a:spLocks noGrp="1"/>
+          </p:cNvSpPr>
           <p:nvPr>
             <p:ph idx="1"/>
           </p:nvPr>
-        </p:nvPicPr>
-        <p:blipFill>
-          <a:blip r:embed="rId3"/>
-          <a:stretch>
-            <a:fillRect/>
-          </a:stretch>
-        </p:blipFill>
+        </p:nvSpPr>
         <p:spPr>
           <a:xfrm>
-            <a:off x="3863752" y="361927"/>
-            <a:ext cx="5528062" cy="6496073"/>
+            <a:off x="361543" y="1556792"/>
+            <a:ext cx="7534657" cy="4824518"/>
           </a:xfrm>
         </p:spPr>
-      </p:pic>
+        <p:txBody>
+          <a:bodyPr>
+            <a:normAutofit/>
+          </a:bodyPr>
+          <a:lstStyle/>
+          <a:p>
+            <a:r>
+              <a:rPr lang="en-US" dirty="0"/>
+              <a:t>In </a:t>
+            </a:r>
+            <a:r>
+              <a:rPr lang="en-US" i="1" dirty="0" err="1"/>
+              <a:t>pe_program.csl</a:t>
+            </a:r>
+            <a:r>
+              <a:rPr lang="en-US" dirty="0"/>
+              <a:t>:</a:t>
+            </a:r>
+          </a:p>
+          <a:p>
+            <a:r>
+              <a:rPr lang="en-US" dirty="0"/>
+              <a:t>TO DO 2: Construct </a:t>
+            </a:r>
+            <a:r>
+              <a:rPr lang="en-US" dirty="0" err="1"/>
+              <a:t>gemv</a:t>
+            </a:r>
+            <a:r>
+              <a:rPr lang="en-US" dirty="0"/>
+              <a:t>() function</a:t>
+            </a:r>
+          </a:p>
+          <a:p>
+            <a:pPr lvl="1"/>
+            <a:r>
+              <a:rPr lang="en-US" dirty="0"/>
+              <a:t>Option 1 (simpler) – use a for-loop</a:t>
+            </a:r>
+          </a:p>
+          <a:p>
+            <a:pPr lvl="1"/>
+            <a:r>
+              <a:rPr lang="en-US" dirty="0"/>
+              <a:t>Option 2 (more advanced) – use memory DSDs</a:t>
+            </a:r>
+          </a:p>
+          <a:p>
+            <a:pPr lvl="1"/>
+            <a:endParaRPr lang="en-US" dirty="0"/>
+          </a:p>
+          <a:p>
+            <a:r>
+              <a:rPr lang="en-US" dirty="0"/>
+              <a:t>In </a:t>
+            </a:r>
+            <a:r>
+              <a:rPr lang="en-US" i="1" dirty="0" err="1"/>
+              <a:t>layout.csl</a:t>
+            </a:r>
+            <a:r>
+              <a:rPr lang="en-US" dirty="0"/>
+              <a:t>:</a:t>
+            </a:r>
+          </a:p>
+          <a:p>
+            <a:r>
+              <a:rPr lang="en-US" dirty="0"/>
+              <a:t>TO DO 1: Define parameters for matrix dimensions</a:t>
+            </a:r>
+          </a:p>
+          <a:p>
+            <a:endParaRPr lang="en-US" dirty="0"/>
+          </a:p>
+          <a:p>
+            <a:r>
+              <a:rPr lang="en-US" dirty="0"/>
+              <a:t>In </a:t>
+            </a:r>
+            <a:r>
+              <a:rPr lang="en-US" i="1" dirty="0" err="1"/>
+              <a:t>run.py</a:t>
+            </a:r>
+            <a:r>
+              <a:rPr lang="en-US" dirty="0"/>
+              <a:t>:</a:t>
+            </a:r>
+          </a:p>
+          <a:p>
+            <a:r>
+              <a:rPr lang="en-US" dirty="0"/>
+              <a:t>TO DO 1: Copy A, x, b to device via </a:t>
+            </a:r>
+            <a:r>
+              <a:rPr lang="en-US" dirty="0" err="1"/>
+              <a:t>memcpy</a:t>
+            </a:r>
+            <a:endParaRPr lang="en-US" dirty="0"/>
+          </a:p>
+          <a:p>
+            <a:r>
+              <a:rPr lang="en-US" dirty="0"/>
+              <a:t>TO DO 2: Copy y back from device via </a:t>
+            </a:r>
+            <a:r>
+              <a:rPr lang="en-US" dirty="0" err="1"/>
+              <a:t>memcpy</a:t>
+            </a:r>
+            <a:endParaRPr lang="en-US" dirty="0"/>
+          </a:p>
+        </p:txBody>
+      </p:sp>
       <p:sp>
         <p:nvSpPr>
           <p:cNvPr id="2" name="Title 1">
@@ -5794,15 +5332,312 @@
           <a:p>
             <a:r>
               <a:rPr lang="en-US" dirty="0"/>
-              <a:t>Steps</a:t>
-            </a:r>
+              <a:t>What you need to do here</a:t>
+            </a:r>
+          </a:p>
+        </p:txBody>
+      </p:sp>
+      <p:cxnSp>
+        <p:nvCxnSpPr>
+          <p:cNvPr id="5" name="Straight Connector 4">
+            <a:extLst>
+              <a:ext uri="{FF2B5EF4-FFF2-40B4-BE49-F238E27FC236}">
+                <a16:creationId xmlns:a16="http://schemas.microsoft.com/office/drawing/2014/main" id="{60213DA6-51F0-8C71-B9F9-C47541C2F657}"/>
+              </a:ext>
+            </a:extLst>
+          </p:cNvPr>
+          <p:cNvCxnSpPr/>
+          <p:nvPr/>
+        </p:nvCxnSpPr>
+        <p:spPr>
+          <a:xfrm>
+            <a:off x="7896200" y="2348880"/>
+            <a:ext cx="0" cy="2952328"/>
+          </a:xfrm>
+          <a:prstGeom prst="line">
+            <a:avLst/>
+          </a:prstGeom>
+          <a:ln w="22225">
+            <a:solidFill>
+              <a:srgbClr val="0070C0"/>
+            </a:solidFill>
+          </a:ln>
+        </p:spPr>
+        <p:style>
+          <a:lnRef idx="1">
+            <a:schemeClr val="accent1"/>
+          </a:lnRef>
+          <a:fillRef idx="0">
+            <a:schemeClr val="accent1"/>
+          </a:fillRef>
+          <a:effectRef idx="0">
+            <a:schemeClr val="accent1"/>
+          </a:effectRef>
+          <a:fontRef idx="minor">
+            <a:schemeClr val="tx1"/>
+          </a:fontRef>
+        </p:style>
+      </p:cxnSp>
+      <p:sp>
+        <p:nvSpPr>
+          <p:cNvPr id="6" name="TextBox 5">
+            <a:extLst>
+              <a:ext uri="{FF2B5EF4-FFF2-40B4-BE49-F238E27FC236}">
+                <a16:creationId xmlns:a16="http://schemas.microsoft.com/office/drawing/2014/main" id="{C580E12C-F0FB-27E1-33D0-5357AB72287E}"/>
+              </a:ext>
+            </a:extLst>
+          </p:cNvPr>
+          <p:cNvSpPr txBox="1"/>
+          <p:nvPr/>
+        </p:nvSpPr>
+        <p:spPr>
+          <a:xfrm>
+            <a:off x="8261636" y="1916832"/>
+            <a:ext cx="3600397" cy="523220"/>
+          </a:xfrm>
+          <a:prstGeom prst="rect">
+            <a:avLst/>
+          </a:prstGeom>
+          <a:noFill/>
+        </p:spPr>
+        <p:txBody>
+          <a:bodyPr wrap="square" rtlCol="0">
+            <a:spAutoFit/>
+          </a:bodyPr>
+          <a:lstStyle/>
+          <a:p>
+            <a:pPr algn="ctr"/>
+            <a:r>
+              <a:rPr lang="en-GB" sz="2800" dirty="0">
+                <a:solidFill>
+                  <a:srgbClr val="00B050"/>
+                </a:solidFill>
+              </a:rPr>
+              <a:t>Hints</a:t>
+            </a:r>
+          </a:p>
+        </p:txBody>
+      </p:sp>
+      <p:sp>
+        <p:nvSpPr>
+          <p:cNvPr id="7" name="Content Placeholder 2">
+            <a:extLst>
+              <a:ext uri="{FF2B5EF4-FFF2-40B4-BE49-F238E27FC236}">
+                <a16:creationId xmlns:a16="http://schemas.microsoft.com/office/drawing/2014/main" id="{46B59F7A-6459-6593-F1F7-186D28A95134}"/>
+              </a:ext>
+            </a:extLst>
+          </p:cNvPr>
+          <p:cNvSpPr txBox="1">
+            <a:spLocks/>
+          </p:cNvSpPr>
+          <p:nvPr/>
+        </p:nvSpPr>
+        <p:spPr>
+          <a:xfrm>
+            <a:off x="8088160" y="2564904"/>
+            <a:ext cx="3947348" cy="2160240"/>
+          </a:xfrm>
+          <a:prstGeom prst="rect">
+            <a:avLst/>
+          </a:prstGeom>
+        </p:spPr>
+        <p:txBody>
+          <a:bodyPr vert="horz" lIns="91440" tIns="45720" rIns="91440" bIns="45720" rtlCol="0">
+            <a:normAutofit fontScale="92500" lnSpcReduction="10000"/>
+          </a:bodyPr>
+          <a:lstStyle>
+            <a:lvl1pPr marL="182880" indent="-182880" algn="l" defTabSz="914400" rtl="0" eaLnBrk="1" latinLnBrk="0" hangingPunct="1">
+              <a:spcBef>
+                <a:spcPct val="20000"/>
+              </a:spcBef>
+              <a:buClr>
+                <a:schemeClr val="accent1"/>
+              </a:buClr>
+              <a:buSzPct val="85000"/>
+              <a:buFont typeface="Arial" pitchFamily="34" charset="0"/>
+              <a:buChar char="•"/>
+              <a:defRPr sz="2400" kern="1200">
+                <a:solidFill>
+                  <a:schemeClr val="tx1"/>
+                </a:solidFill>
+                <a:latin typeface="+mn-lt"/>
+                <a:ea typeface="+mn-ea"/>
+                <a:cs typeface="+mn-cs"/>
+              </a:defRPr>
+            </a:lvl1pPr>
+            <a:lvl2pPr marL="457200" indent="-182880" algn="l" defTabSz="914400" rtl="0" eaLnBrk="1" latinLnBrk="0" hangingPunct="1">
+              <a:spcBef>
+                <a:spcPct val="20000"/>
+              </a:spcBef>
+              <a:buClr>
+                <a:schemeClr val="accent1"/>
+              </a:buClr>
+              <a:buSzPct val="85000"/>
+              <a:buFont typeface="Arial" pitchFamily="34" charset="0"/>
+              <a:buChar char="•"/>
+              <a:defRPr sz="2000" kern="1200">
+                <a:solidFill>
+                  <a:schemeClr val="tx1"/>
+                </a:solidFill>
+                <a:latin typeface="+mn-lt"/>
+                <a:ea typeface="+mn-ea"/>
+                <a:cs typeface="+mn-cs"/>
+              </a:defRPr>
+            </a:lvl2pPr>
+            <a:lvl3pPr marL="731520" indent="-182880" algn="l" defTabSz="914400" rtl="0" eaLnBrk="1" latinLnBrk="0" hangingPunct="1">
+              <a:spcBef>
+                <a:spcPct val="20000"/>
+              </a:spcBef>
+              <a:buClr>
+                <a:schemeClr val="accent1"/>
+              </a:buClr>
+              <a:buSzPct val="90000"/>
+              <a:buFont typeface="Arial" pitchFamily="34" charset="0"/>
+              <a:buChar char="•"/>
+              <a:defRPr sz="1800" kern="1200">
+                <a:solidFill>
+                  <a:schemeClr val="tx1"/>
+                </a:solidFill>
+                <a:latin typeface="+mn-lt"/>
+                <a:ea typeface="+mn-ea"/>
+                <a:cs typeface="+mn-cs"/>
+              </a:defRPr>
+            </a:lvl3pPr>
+            <a:lvl4pPr marL="1005840" indent="-182880" algn="l" defTabSz="914400" rtl="0" eaLnBrk="1" latinLnBrk="0" hangingPunct="1">
+              <a:spcBef>
+                <a:spcPct val="20000"/>
+              </a:spcBef>
+              <a:buClr>
+                <a:schemeClr val="accent1"/>
+              </a:buClr>
+              <a:buFont typeface="Arial" pitchFamily="34" charset="0"/>
+              <a:buChar char="•"/>
+              <a:defRPr sz="1600" kern="1200">
+                <a:solidFill>
+                  <a:schemeClr val="tx1"/>
+                </a:solidFill>
+                <a:latin typeface="+mn-lt"/>
+                <a:ea typeface="+mn-ea"/>
+                <a:cs typeface="+mn-cs"/>
+              </a:defRPr>
+            </a:lvl4pPr>
+            <a:lvl5pPr marL="1188720" indent="-137160" algn="l" defTabSz="914400" rtl="0" eaLnBrk="1" latinLnBrk="0" hangingPunct="1">
+              <a:spcBef>
+                <a:spcPct val="20000"/>
+              </a:spcBef>
+              <a:buClr>
+                <a:schemeClr val="accent1"/>
+              </a:buClr>
+              <a:buSzPct val="100000"/>
+              <a:buFont typeface="Arial" pitchFamily="34" charset="0"/>
+              <a:buChar char="•"/>
+              <a:defRPr sz="1400" kern="1200" baseline="0">
+                <a:solidFill>
+                  <a:schemeClr val="tx1"/>
+                </a:solidFill>
+                <a:latin typeface="+mn-lt"/>
+                <a:ea typeface="+mn-ea"/>
+                <a:cs typeface="+mn-cs"/>
+              </a:defRPr>
+            </a:lvl5pPr>
+            <a:lvl6pPr marL="1371600" indent="-182880" algn="l" defTabSz="914400" rtl="0" eaLnBrk="1" latinLnBrk="0" hangingPunct="1">
+              <a:spcBef>
+                <a:spcPct val="20000"/>
+              </a:spcBef>
+              <a:buClr>
+                <a:schemeClr val="accent1"/>
+              </a:buClr>
+              <a:buFont typeface="Arial" pitchFamily="34" charset="0"/>
+              <a:buChar char="•"/>
+              <a:defRPr sz="1300" kern="1200">
+                <a:solidFill>
+                  <a:schemeClr val="tx1"/>
+                </a:solidFill>
+                <a:latin typeface="+mn-lt"/>
+                <a:ea typeface="+mn-ea"/>
+                <a:cs typeface="+mn-cs"/>
+              </a:defRPr>
+            </a:lvl6pPr>
+            <a:lvl7pPr marL="1554480" indent="-182880" algn="l" defTabSz="914400" rtl="0" eaLnBrk="1" latinLnBrk="0" hangingPunct="1">
+              <a:spcBef>
+                <a:spcPct val="20000"/>
+              </a:spcBef>
+              <a:buClr>
+                <a:schemeClr val="accent1"/>
+              </a:buClr>
+              <a:buFont typeface="Arial" pitchFamily="34" charset="0"/>
+              <a:buChar char="•"/>
+              <a:defRPr sz="1300" kern="1200">
+                <a:solidFill>
+                  <a:schemeClr val="tx1"/>
+                </a:solidFill>
+                <a:latin typeface="+mn-lt"/>
+                <a:ea typeface="+mn-ea"/>
+                <a:cs typeface="+mn-cs"/>
+              </a:defRPr>
+            </a:lvl7pPr>
+            <a:lvl8pPr marL="1737360" indent="-182880" algn="l" defTabSz="914400" rtl="0" eaLnBrk="1" latinLnBrk="0" hangingPunct="1">
+              <a:spcBef>
+                <a:spcPct val="20000"/>
+              </a:spcBef>
+              <a:buClr>
+                <a:schemeClr val="accent1"/>
+              </a:buClr>
+              <a:buFont typeface="Arial" pitchFamily="34" charset="0"/>
+              <a:buChar char="•"/>
+              <a:defRPr sz="1300" kern="1200">
+                <a:solidFill>
+                  <a:schemeClr val="tx1"/>
+                </a:solidFill>
+                <a:latin typeface="+mn-lt"/>
+                <a:ea typeface="+mn-ea"/>
+                <a:cs typeface="+mn-cs"/>
+              </a:defRPr>
+            </a:lvl8pPr>
+            <a:lvl9pPr marL="1920240" indent="-182880" algn="l" defTabSz="914400" rtl="0" eaLnBrk="1" latinLnBrk="0" hangingPunct="1">
+              <a:spcBef>
+                <a:spcPct val="20000"/>
+              </a:spcBef>
+              <a:buClr>
+                <a:schemeClr val="accent1"/>
+              </a:buClr>
+              <a:buFont typeface="Arial" pitchFamily="34" charset="0"/>
+              <a:buChar char="•"/>
+              <a:defRPr sz="1300" kern="1200">
+                <a:solidFill>
+                  <a:schemeClr val="tx1"/>
+                </a:solidFill>
+                <a:latin typeface="+mn-lt"/>
+                <a:ea typeface="+mn-ea"/>
+                <a:cs typeface="+mn-cs"/>
+              </a:defRPr>
+            </a:lvl9pPr>
+          </a:lstStyle>
+          <a:p>
+            <a:r>
+              <a:rPr lang="en-US"/>
+              <a:t>Example of param from walk-through 2</a:t>
+            </a:r>
+          </a:p>
+          <a:p>
+            <a:r>
+              <a:rPr lang="en-US"/>
+              <a:t>Example of memcpy from walk-through 3</a:t>
+            </a:r>
+          </a:p>
+          <a:p>
+            <a:r>
+              <a:rPr lang="en-US"/>
+              <a:t>Example of memory DSD from walkthrough 4</a:t>
+            </a:r>
+            <a:endParaRPr lang="en-US" dirty="0"/>
           </a:p>
         </p:txBody>
       </p:sp>
     </p:spTree>
     <p:extLst>
       <p:ext uri="{BB962C8B-B14F-4D97-AF65-F5344CB8AC3E}">
-        <p14:creationId xmlns:p14="http://schemas.microsoft.com/office/powerpoint/2010/main" val="743433868"/>
+        <p14:creationId xmlns:p14="http://schemas.microsoft.com/office/powerpoint/2010/main" val="2219636198"/>
       </p:ext>
     </p:extLst>
   </p:cSld>
@@ -5848,7 +5683,7 @@
         <p:spPr>
           <a:xfrm>
             <a:off x="361543" y="1556792"/>
-            <a:ext cx="10998200" cy="4824518"/>
+            <a:ext cx="10998200" cy="936104"/>
           </a:xfrm>
         </p:spPr>
         <p:txBody>
@@ -5859,106 +5694,36 @@
           <a:p>
             <a:r>
               <a:rPr lang="en-US" dirty="0"/>
-              <a:t>In </a:t>
-            </a:r>
-            <a:r>
-              <a:rPr lang="en-US" dirty="0" err="1"/>
+              <a:t>Key points: </a:t>
+            </a:r>
+          </a:p>
+          <a:p>
+            <a:r>
+              <a:rPr lang="en-US" dirty="0"/>
+              <a:t>Parameters: (in </a:t>
+            </a:r>
+            <a:r>
+              <a:rPr lang="en-US" i="1" dirty="0" err="1"/>
               <a:t>pe_program.csl</a:t>
             </a:r>
             <a:r>
+              <a:rPr lang="en-US" i="1" dirty="0"/>
+              <a:t> </a:t>
+            </a:r>
+            <a:r>
               <a:rPr lang="en-US" dirty="0"/>
-              <a:t>:</a:t>
-            </a:r>
-          </a:p>
-          <a:p>
+              <a:t>and </a:t>
+            </a:r>
+            <a:r>
+              <a:rPr lang="en-US" i="1" dirty="0" err="1"/>
+              <a:t>layout.csl</a:t>
+            </a:r>
             <a:r>
               <a:rPr lang="en-US" dirty="0"/>
-              <a:t>TO DO 2: Construct </a:t>
-            </a:r>
-            <a:r>
-              <a:rPr lang="en-US" dirty="0" err="1"/>
-              <a:t>gemv</a:t>
-            </a:r>
-            <a:r>
-              <a:rPr lang="en-US" dirty="0"/>
-              <a:t>() function</a:t>
-            </a:r>
-          </a:p>
-          <a:p>
-            <a:pPr lvl="1"/>
-            <a:r>
-              <a:rPr lang="en-US" dirty="0"/>
-              <a:t>Option 1 (simpler) – use a for-loop</a:t>
-            </a:r>
-          </a:p>
-          <a:p>
-            <a:pPr lvl="1"/>
-            <a:r>
-              <a:rPr lang="en-US" dirty="0"/>
-              <a:t>Option 2 (harder) – use memory DSDs</a:t>
-            </a:r>
-          </a:p>
-          <a:p>
-            <a:pPr lvl="1"/>
-            <a:endParaRPr lang="en-US" dirty="0"/>
-          </a:p>
-          <a:p>
-            <a:r>
-              <a:rPr lang="en-US" dirty="0"/>
-              <a:t>In </a:t>
-            </a:r>
-            <a:r>
-              <a:rPr lang="en-US" dirty="0" err="1"/>
-              <a:t>layout.csl</a:t>
-            </a:r>
-            <a:r>
-              <a:rPr lang="en-US" dirty="0"/>
-              <a:t>:</a:t>
-            </a:r>
-          </a:p>
-          <a:p>
-            <a:r>
-              <a:rPr lang="en-US" dirty="0"/>
-              <a:t>TO DO 1: Define parameters for matrix dimensions</a:t>
-            </a:r>
-          </a:p>
-          <a:p>
-            <a:endParaRPr lang="en-US" dirty="0"/>
-          </a:p>
-          <a:p>
-            <a:r>
-              <a:rPr lang="en-US" dirty="0"/>
-              <a:t>In </a:t>
-            </a:r>
-            <a:r>
-              <a:rPr lang="en-US" dirty="0" err="1"/>
-              <a:t>run.py</a:t>
-            </a:r>
-            <a:r>
-              <a:rPr lang="en-US" dirty="0"/>
-              <a:t>:</a:t>
-            </a:r>
-          </a:p>
-          <a:p>
-            <a:r>
-              <a:rPr lang="en-US" dirty="0"/>
-              <a:t>TO DO 1: Copy A, x, b to device via </a:t>
-            </a:r>
-            <a:r>
-              <a:rPr lang="en-US" dirty="0" err="1"/>
-              <a:t>memcpy</a:t>
-            </a:r>
-            <a:endParaRPr lang="en-US" dirty="0"/>
-          </a:p>
-          <a:p>
-            <a:r>
-              <a:rPr lang="en-US" dirty="0"/>
-              <a:t>TO DO 2: Copy y back from device via </a:t>
-            </a:r>
-            <a:r>
-              <a:rPr lang="en-US" dirty="0" err="1"/>
-              <a:t>memcpy</a:t>
-            </a:r>
+              <a:t>):</a:t>
+            </a:r>
+          </a:p>
+          <a:p>
             <a:endParaRPr lang="en-US" dirty="0"/>
           </a:p>
         </p:txBody>
@@ -5991,248 +5756,7 @@
           <a:p>
             <a:r>
               <a:rPr lang="en-US" dirty="0"/>
-              <a:t>To do:</a:t>
-            </a:r>
-          </a:p>
-        </p:txBody>
-      </p:sp>
-    </p:spTree>
-    <p:extLst>
-      <p:ext uri="{BB962C8B-B14F-4D97-AF65-F5344CB8AC3E}">
-        <p14:creationId xmlns:p14="http://schemas.microsoft.com/office/powerpoint/2010/main" val="2219636198"/>
-      </p:ext>
-    </p:extLst>
-  </p:cSld>
-  <p:clrMapOvr>
-    <a:masterClrMapping/>
-  </p:clrMapOvr>
-</p:sld>
-</file>
-
-<file path=ppt/slides/slide5.xml><?xml version="1.0" encoding="utf-8"?>
-<p:sld xmlns:a="http://schemas.openxmlformats.org/drawingml/2006/main" xmlns:r="http://schemas.openxmlformats.org/officeDocument/2006/relationships" xmlns:p="http://schemas.openxmlformats.org/presentationml/2006/main">
-  <p:cSld>
-    <p:spTree>
-      <p:nvGrpSpPr>
-        <p:cNvPr id="1" name=""/>
-        <p:cNvGrpSpPr/>
-        <p:nvPr/>
-      </p:nvGrpSpPr>
-      <p:grpSpPr>
-        <a:xfrm>
-          <a:off x="0" y="0"/>
-          <a:ext cx="0" cy="0"/>
-          <a:chOff x="0" y="0"/>
-          <a:chExt cx="0" cy="0"/>
-        </a:xfrm>
-      </p:grpSpPr>
-      <p:sp>
-        <p:nvSpPr>
-          <p:cNvPr id="3" name="Content Placeholder 2">
-            <a:extLst>
-              <a:ext uri="{FF2B5EF4-FFF2-40B4-BE49-F238E27FC236}">
-                <a16:creationId xmlns:a16="http://schemas.microsoft.com/office/drawing/2014/main" id="{67061966-FAF3-F54F-95A0-AD61FD51424D}"/>
-              </a:ext>
-            </a:extLst>
-          </p:cNvPr>
-          <p:cNvSpPr>
-            <a:spLocks noGrp="1"/>
-          </p:cNvSpPr>
-          <p:nvPr>
-            <p:ph idx="1"/>
-          </p:nvPr>
-        </p:nvSpPr>
-        <p:spPr>
-          <a:xfrm>
-            <a:off x="361543" y="1556792"/>
-            <a:ext cx="10998200" cy="4824518"/>
-          </a:xfrm>
-        </p:spPr>
-        <p:txBody>
-          <a:bodyPr>
-            <a:normAutofit/>
-          </a:bodyPr>
-          <a:lstStyle/>
-          <a:p>
-            <a:r>
-              <a:rPr lang="en-US" dirty="0"/>
-              <a:t>Example of param from walk-through 2</a:t>
-            </a:r>
-          </a:p>
-          <a:p>
-            <a:r>
-              <a:rPr lang="en-US" dirty="0"/>
-              <a:t>Example of </a:t>
-            </a:r>
-            <a:r>
-              <a:rPr lang="en-US" dirty="0" err="1"/>
-              <a:t>memcpy</a:t>
-            </a:r>
-            <a:r>
-              <a:rPr lang="en-US" dirty="0"/>
-              <a:t> from walk-through 3</a:t>
-            </a:r>
-          </a:p>
-          <a:p>
-            <a:r>
-              <a:rPr lang="en-US" dirty="0"/>
-              <a:t>Example of memory DSD from walkthrough 4</a:t>
-            </a:r>
-          </a:p>
-        </p:txBody>
-      </p:sp>
-      <p:sp>
-        <p:nvSpPr>
-          <p:cNvPr id="2" name="Title 1">
-            <a:extLst>
-              <a:ext uri="{FF2B5EF4-FFF2-40B4-BE49-F238E27FC236}">
-                <a16:creationId xmlns:a16="http://schemas.microsoft.com/office/drawing/2014/main" id="{9C32B9BB-9B28-D34A-8B6B-CA0763BA5B81}"/>
-              </a:ext>
-            </a:extLst>
-          </p:cNvPr>
-          <p:cNvSpPr>
-            <a:spLocks noGrp="1"/>
-          </p:cNvSpPr>
-          <p:nvPr>
-            <p:ph type="title"/>
-          </p:nvPr>
-        </p:nvSpPr>
-        <p:spPr>
-          <a:xfrm>
-            <a:off x="361543" y="508958"/>
-            <a:ext cx="10998200" cy="795852"/>
-          </a:xfrm>
-        </p:spPr>
-        <p:txBody>
-          <a:bodyPr/>
-          <a:lstStyle/>
-          <a:p>
-            <a:r>
-              <a:rPr lang="en-US" dirty="0"/>
-              <a:t>Hints:</a:t>
-            </a:r>
-          </a:p>
-        </p:txBody>
-      </p:sp>
-    </p:spTree>
-    <p:extLst>
-      <p:ext uri="{BB962C8B-B14F-4D97-AF65-F5344CB8AC3E}">
-        <p14:creationId xmlns:p14="http://schemas.microsoft.com/office/powerpoint/2010/main" val="568440342"/>
-      </p:ext>
-    </p:extLst>
-  </p:cSld>
-  <p:clrMapOvr>
-    <a:masterClrMapping/>
-  </p:clrMapOvr>
-</p:sld>
-</file>
-
-<file path=ppt/slides/slide6.xml><?xml version="1.0" encoding="utf-8"?>
-<p:sld xmlns:a="http://schemas.openxmlformats.org/drawingml/2006/main" xmlns:r="http://schemas.openxmlformats.org/officeDocument/2006/relationships" xmlns:p="http://schemas.openxmlformats.org/presentationml/2006/main">
-  <p:cSld>
-    <p:spTree>
-      <p:nvGrpSpPr>
-        <p:cNvPr id="1" name=""/>
-        <p:cNvGrpSpPr/>
-        <p:nvPr/>
-      </p:nvGrpSpPr>
-      <p:grpSpPr>
-        <a:xfrm>
-          <a:off x="0" y="0"/>
-          <a:ext cx="0" cy="0"/>
-          <a:chOff x="0" y="0"/>
-          <a:chExt cx="0" cy="0"/>
-        </a:xfrm>
-      </p:grpSpPr>
-      <p:sp>
-        <p:nvSpPr>
-          <p:cNvPr id="3" name="Content Placeholder 2">
-            <a:extLst>
-              <a:ext uri="{FF2B5EF4-FFF2-40B4-BE49-F238E27FC236}">
-                <a16:creationId xmlns:a16="http://schemas.microsoft.com/office/drawing/2014/main" id="{67061966-FAF3-F54F-95A0-AD61FD51424D}"/>
-              </a:ext>
-            </a:extLst>
-          </p:cNvPr>
-          <p:cNvSpPr>
-            <a:spLocks noGrp="1"/>
-          </p:cNvSpPr>
-          <p:nvPr>
-            <p:ph idx="1"/>
-          </p:nvPr>
-        </p:nvSpPr>
-        <p:spPr>
-          <a:xfrm>
-            <a:off x="361543" y="1556792"/>
-            <a:ext cx="10998200" cy="4824518"/>
-          </a:xfrm>
-        </p:spPr>
-        <p:txBody>
-          <a:bodyPr>
-            <a:normAutofit/>
-          </a:bodyPr>
-          <a:lstStyle/>
-          <a:p>
-            <a:r>
-              <a:rPr lang="en-US" dirty="0"/>
-              <a:t>Key points: </a:t>
-            </a:r>
-          </a:p>
-          <a:p>
-            <a:r>
-              <a:rPr lang="en-US" dirty="0"/>
-              <a:t>Parameters: (in </a:t>
-            </a:r>
-            <a:r>
-              <a:rPr lang="en-US" dirty="0" err="1"/>
-              <a:t>pe_program.csl</a:t>
-            </a:r>
-            <a:r>
-              <a:rPr lang="en-US" dirty="0"/>
-              <a:t> + </a:t>
-            </a:r>
-            <a:r>
-              <a:rPr lang="en-US" dirty="0" err="1"/>
-              <a:t>layout.csl</a:t>
-            </a:r>
-            <a:r>
-              <a:rPr lang="en-US" dirty="0"/>
-              <a:t>):</a:t>
-            </a:r>
-          </a:p>
-          <a:p>
-            <a:endParaRPr lang="en-US" dirty="0"/>
-          </a:p>
-        </p:txBody>
-      </p:sp>
-      <p:sp>
-        <p:nvSpPr>
-          <p:cNvPr id="2" name="Title 1">
-            <a:extLst>
-              <a:ext uri="{FF2B5EF4-FFF2-40B4-BE49-F238E27FC236}">
-                <a16:creationId xmlns:a16="http://schemas.microsoft.com/office/drawing/2014/main" id="{9C32B9BB-9B28-D34A-8B6B-CA0763BA5B81}"/>
-              </a:ext>
-            </a:extLst>
-          </p:cNvPr>
-          <p:cNvSpPr>
-            <a:spLocks noGrp="1"/>
-          </p:cNvSpPr>
-          <p:nvPr>
-            <p:ph type="title"/>
-          </p:nvPr>
-        </p:nvSpPr>
-        <p:spPr>
-          <a:xfrm>
-            <a:off x="361543" y="508958"/>
-            <a:ext cx="10998200" cy="795852"/>
-          </a:xfrm>
-        </p:spPr>
-        <p:txBody>
-          <a:bodyPr/>
-          <a:lstStyle/>
-          <a:p>
-            <a:r>
-              <a:rPr lang="en-US" dirty="0"/>
-              <a:t>Wash-up for ex1:</a:t>
+              <a:t>Wash-up for hands on exercise one:</a:t>
             </a:r>
           </a:p>
         </p:txBody>
@@ -6280,7 +5804,7 @@
 </p:sld>
 </file>
 
-<file path=ppt/slides/slide7.xml><?xml version="1.0" encoding="utf-8"?>
+<file path=ppt/slides/slide5.xml><?xml version="1.0" encoding="utf-8"?>
 <p:sld xmlns:a="http://schemas.openxmlformats.org/drawingml/2006/main" xmlns:r="http://schemas.openxmlformats.org/officeDocument/2006/relationships" xmlns:p="http://schemas.openxmlformats.org/presentationml/2006/main">
   <p:cSld>
     <p:spTree>
@@ -6316,7 +5840,7 @@
         <p:spPr>
           <a:xfrm>
             <a:off x="361543" y="1556792"/>
-            <a:ext cx="10998200" cy="4824518"/>
+            <a:ext cx="10998200" cy="576064"/>
           </a:xfrm>
         </p:spPr>
         <p:txBody>
@@ -6331,13 +5855,12 @@
             </a:r>
             <a:r>
               <a:rPr lang="en-US" dirty="0"/>
-              <a:t> in host code </a:t>
-            </a:r>
-            <a:r>
-              <a:rPr lang="en-US" dirty="0" err="1"/>
+              <a:t> in the host code </a:t>
+            </a:r>
+            <a:r>
+              <a:rPr lang="en-US" i="1" dirty="0"/>
               <a:t>run.py</a:t>
             </a:r>
-            <a:endParaRPr lang="en-US" dirty="0"/>
           </a:p>
           <a:p>
             <a:endParaRPr lang="en-US" dirty="0"/>
@@ -6372,7 +5895,7 @@
           <a:p>
             <a:r>
               <a:rPr lang="en-US" dirty="0"/>
-              <a:t>Wash-up for ex1:</a:t>
+              <a:t>Wash-up for hands on exercise one:</a:t>
             </a:r>
           </a:p>
         </p:txBody>
@@ -6450,7 +5973,7 @@
 </p:sld>
 </file>
 
-<file path=ppt/slides/slide8.xml><?xml version="1.0" encoding="utf-8"?>
+<file path=ppt/slides/slide6.xml><?xml version="1.0" encoding="utf-8"?>
 <p:sld xmlns:a="http://schemas.openxmlformats.org/drawingml/2006/main" xmlns:r="http://schemas.openxmlformats.org/officeDocument/2006/relationships" xmlns:p="http://schemas.openxmlformats.org/presentationml/2006/main">
   <p:cSld>
     <p:spTree>
@@ -6491,7 +6014,7 @@
         </p:blipFill>
         <p:spPr>
           <a:xfrm>
-            <a:off x="5303912" y="2569283"/>
+            <a:off x="3517900" y="2564904"/>
             <a:ext cx="5156200" cy="4051300"/>
           </a:xfrm>
         </p:spPr>
@@ -6519,12 +6042,14 @@
           </a:xfrm>
         </p:spPr>
         <p:txBody>
-          <a:bodyPr/>
+          <a:bodyPr>
+            <a:normAutofit fontScale="90000"/>
+          </a:bodyPr>
           <a:lstStyle/>
           <a:p>
             <a:r>
               <a:rPr lang="en-US" dirty="0"/>
-              <a:t>Wash-up for ex1: </a:t>
+              <a:t>Wash-up for hands on exercise one: </a:t>
             </a:r>
             <a:r>
               <a:rPr lang="en-US" dirty="0" err="1"/>
@@ -6532,7 +6057,7 @@
             </a:r>
             <a:r>
               <a:rPr lang="en-US" dirty="0"/>
-              <a:t>() solution A:</a:t>
+              <a:t>() solution A</a:t>
             </a:r>
           </a:p>
         </p:txBody>
@@ -6554,7 +6079,7 @@
         <p:spPr>
           <a:xfrm>
             <a:off x="361543" y="1556792"/>
-            <a:ext cx="10998200" cy="4824518"/>
+            <a:ext cx="10998200" cy="864096"/>
           </a:xfrm>
           <a:prstGeom prst="rect">
             <a:avLst/>
@@ -6735,7 +6260,22 @@
           <a:p>
             <a:r>
               <a:rPr lang="en-AU" dirty="0"/>
-              <a:t>Two for loops: column and row </a:t>
+              <a:t>This is the approach that will be more familiar to people</a:t>
+            </a:r>
+          </a:p>
+          <a:p>
+            <a:pPr lvl="1"/>
+            <a:r>
+              <a:rPr lang="en-AU" dirty="0"/>
+              <a:t>We use two </a:t>
+            </a:r>
+            <a:r>
+              <a:rPr lang="en-AU" i="1" dirty="0"/>
+              <a:t>for</a:t>
+            </a:r>
+            <a:r>
+              <a:rPr lang="en-AU" dirty="0"/>
+              <a:t> loops, looping over the column and row </a:t>
             </a:r>
             <a:endParaRPr lang="en-US" dirty="0"/>
           </a:p>
@@ -6754,7 +6294,7 @@
 </p:sld>
 </file>
 
-<file path=ppt/slides/slide9.xml><?xml version="1.0" encoding="utf-8"?>
+<file path=ppt/slides/slide7.xml><?xml version="1.0" encoding="utf-8"?>
 <p:sld xmlns:a="http://schemas.openxmlformats.org/drawingml/2006/main" xmlns:r="http://schemas.openxmlformats.org/officeDocument/2006/relationships" xmlns:p="http://schemas.openxmlformats.org/presentationml/2006/main">
   <p:cSld>
     <p:spTree>
@@ -6801,50 +6341,116 @@
           <a:p>
             <a:r>
               <a:rPr lang="en-AU" dirty="0"/>
-              <a:t>Single for loop + @</a:t>
-            </a:r>
-            <a:r>
-              <a:rPr lang="en-AU" dirty="0" err="1"/>
-              <a:t>fmacs</a:t>
-            </a:r>
+              <a:t>However, we can potentially obtain more performance by using DSDs, as this provides the compiler with our intentions, and it is then free to implement this as it sees best</a:t>
+            </a:r>
+          </a:p>
+          <a:p>
+            <a:endParaRPr lang="en-AU" dirty="0"/>
+          </a:p>
+          <a:p>
             <a:r>
               <a:rPr lang="en-AU" dirty="0"/>
-              <a:t> (multiply-add – single precision)</a:t>
-            </a:r>
-          </a:p>
-          <a:p>
-            <a:endParaRPr lang="en-AU" dirty="0"/>
-          </a:p>
-          <a:p>
+              <a:t>The plan</a:t>
+            </a:r>
+          </a:p>
+          <a:p>
+            <a:pPr lvl="1"/>
+            <a:r>
+              <a:rPr lang="en-AU" dirty="0"/>
+              <a:t>Have a single </a:t>
+            </a:r>
+            <a:r>
+              <a:rPr lang="en-AU" i="1" dirty="0"/>
+              <a:t>for</a:t>
+            </a:r>
+            <a:r>
+              <a:rPr lang="en-AU" dirty="0"/>
+              <a:t> loop over the columns, in this we issue </a:t>
+            </a:r>
+            <a:r>
+              <a:rPr lang="en-AU" i="1" dirty="0"/>
+              <a:t>@fmacs</a:t>
+            </a:r>
+            <a:r>
+              <a:rPr lang="en-AU" dirty="0"/>
+              <a:t> </a:t>
+            </a:r>
+          </a:p>
+          <a:p>
+            <a:pPr lvl="2"/>
+            <a:r>
+              <a:rPr lang="en-AU" dirty="0"/>
+              <a:t>The </a:t>
+            </a:r>
+            <a:r>
+              <a:rPr lang="en-AU" i="1" dirty="0"/>
+              <a:t>@fmacs</a:t>
+            </a:r>
+            <a:r>
+              <a:rPr lang="en-AU" dirty="0"/>
+              <a:t> operation performs multiply-add in single precision</a:t>
+            </a:r>
+          </a:p>
+          <a:p>
+            <a:pPr lvl="1"/>
             <a:r>
               <a:rPr lang="en-AU" dirty="0"/>
               <a:t>DSDs: </a:t>
             </a:r>
             <a:r>
-              <a:rPr lang="en-AU" dirty="0" err="1"/>
+              <a:rPr lang="en-AU" i="1" dirty="0" err="1"/>
               <a:t>b_dsd</a:t>
             </a:r>
             <a:r>
+              <a:rPr lang="en-AU" i="1" dirty="0"/>
+              <a:t> </a:t>
+            </a:r>
+            <a:r>
               <a:rPr lang="en-AU" dirty="0"/>
-              <a:t> and </a:t>
-            </a:r>
-            <a:r>
-              <a:rPr lang="en-AU" dirty="0" err="1"/>
+              <a:t>and </a:t>
+            </a:r>
+            <a:r>
+              <a:rPr lang="en-AU" i="1" dirty="0" err="1"/>
               <a:t>y_dsd</a:t>
             </a:r>
             <a:r>
+              <a:rPr lang="en-AU" i="1" dirty="0"/>
+              <a:t> </a:t>
+            </a:r>
+            <a:r>
               <a:rPr lang="en-AU" dirty="0"/>
-              <a:t> straightforward, access all elements</a:t>
-            </a:r>
-          </a:p>
-          <a:p>
-            <a:r>
-              <a:rPr lang="en-AU" dirty="0" err="1"/>
+              <a:t>are</a:t>
+            </a:r>
+            <a:r>
+              <a:rPr lang="en-AU" i="1" dirty="0"/>
+              <a:t> </a:t>
+            </a:r>
+            <a:r>
+              <a:rPr lang="en-AU" dirty="0"/>
+              <a:t>straightforward as these access all elements</a:t>
+            </a:r>
+          </a:p>
+          <a:p>
+            <a:pPr lvl="1"/>
+            <a:r>
+              <a:rPr lang="en-AU" dirty="0"/>
+              <a:t>The </a:t>
+            </a:r>
+            <a:r>
+              <a:rPr lang="en-AU" i="1" dirty="0" err="1"/>
               <a:t>A_dsd</a:t>
             </a:r>
             <a:r>
               <a:rPr lang="en-AU" dirty="0"/>
-              <a:t> access each column (A is stored in row major)</a:t>
+              <a:t> accesses each column (</a:t>
+            </a:r>
+            <a:r>
+              <a:rPr lang="en-AU" i="1" dirty="0"/>
+              <a:t>A</a:t>
+            </a:r>
+            <a:r>
+              <a:rPr lang="en-AU" dirty="0"/>
+              <a:t> is stored in row major format)</a:t>
             </a:r>
           </a:p>
           <a:p>
@@ -6893,12 +6499,14 @@
           </a:xfrm>
         </p:spPr>
         <p:txBody>
-          <a:bodyPr/>
+          <a:bodyPr>
+            <a:normAutofit fontScale="90000"/>
+          </a:bodyPr>
           <a:lstStyle/>
           <a:p>
             <a:r>
               <a:rPr lang="en-US" dirty="0"/>
-              <a:t>Wash-up for ex1: </a:t>
+              <a:t>Wash-up for hands on exercise one : </a:t>
             </a:r>
             <a:r>
               <a:rPr lang="en-US" dirty="0" err="1"/>
@@ -6906,7 +6514,7 @@
             </a:r>
             <a:r>
               <a:rPr lang="en-US" dirty="0"/>
-              <a:t>() solution B:</a:t>
+              <a:t>() solution B</a:t>
             </a:r>
           </a:p>
         </p:txBody>
@@ -6933,7 +6541,7 @@
         </p:blipFill>
         <p:spPr>
           <a:xfrm>
-            <a:off x="911424" y="3828877"/>
+            <a:off x="2063552" y="5176485"/>
             <a:ext cx="7772400" cy="1456807"/>
           </a:xfrm>
           <a:prstGeom prst="rect">
@@ -6945,6 +6553,203 @@
     <p:extLst>
       <p:ext uri="{BB962C8B-B14F-4D97-AF65-F5344CB8AC3E}">
         <p14:creationId xmlns:p14="http://schemas.microsoft.com/office/powerpoint/2010/main" val="1961300116"/>
+      </p:ext>
+    </p:extLst>
+  </p:cSld>
+  <p:clrMapOvr>
+    <a:masterClrMapping/>
+  </p:clrMapOvr>
+</p:sld>
+</file>
+
+<file path=ppt/slides/slide8.xml><?xml version="1.0" encoding="utf-8"?>
+<p:sld xmlns:a="http://schemas.openxmlformats.org/drawingml/2006/main" xmlns:r="http://schemas.openxmlformats.org/officeDocument/2006/relationships" xmlns:p="http://schemas.openxmlformats.org/presentationml/2006/main">
+  <p:cSld>
+    <p:spTree>
+      <p:nvGrpSpPr>
+        <p:cNvPr id="1" name=""/>
+        <p:cNvGrpSpPr/>
+        <p:nvPr/>
+      </p:nvGrpSpPr>
+      <p:grpSpPr>
+        <a:xfrm>
+          <a:off x="0" y="0"/>
+          <a:ext cx="0" cy="0"/>
+          <a:chOff x="0" y="0"/>
+          <a:chExt cx="0" cy="0"/>
+        </a:xfrm>
+      </p:grpSpPr>
+      <p:sp>
+        <p:nvSpPr>
+          <p:cNvPr id="3" name="Content Placeholder 2">
+            <a:extLst>
+              <a:ext uri="{FF2B5EF4-FFF2-40B4-BE49-F238E27FC236}">
+                <a16:creationId xmlns:a16="http://schemas.microsoft.com/office/drawing/2014/main" id="{67061966-FAF3-F54F-95A0-AD61FD51424D}"/>
+              </a:ext>
+            </a:extLst>
+          </p:cNvPr>
+          <p:cNvSpPr>
+            <a:spLocks noGrp="1"/>
+          </p:cNvSpPr>
+          <p:nvPr>
+            <p:ph idx="1"/>
+          </p:nvPr>
+        </p:nvSpPr>
+        <p:spPr>
+          <a:xfrm>
+            <a:off x="361543" y="1556792"/>
+            <a:ext cx="10998200" cy="4824518"/>
+          </a:xfrm>
+        </p:spPr>
+        <p:txBody>
+          <a:bodyPr>
+            <a:normAutofit/>
+          </a:bodyPr>
+          <a:lstStyle/>
+          <a:p>
+            <a:r>
+              <a:rPr lang="en-AU" dirty="0"/>
+              <a:t>The single for loop iterates over columns, performs the </a:t>
+            </a:r>
+            <a:r>
+              <a:rPr lang="en-AU" i="1" dirty="0"/>
+              <a:t>@fmacs </a:t>
+            </a:r>
+            <a:r>
+              <a:rPr lang="en-AU" dirty="0"/>
+              <a:t>operation and then increments the </a:t>
+            </a:r>
+            <a:r>
+              <a:rPr lang="en-AU" i="1" dirty="0" err="1"/>
+              <a:t>A_dsd</a:t>
+            </a:r>
+            <a:r>
+              <a:rPr lang="en-AU" dirty="0"/>
+              <a:t> offset</a:t>
+            </a:r>
+          </a:p>
+          <a:p>
+            <a:pPr lvl="1"/>
+            <a:r>
+              <a:rPr lang="en-AU" dirty="0"/>
+              <a:t>This increment is done so we can access the next column in the next iteration</a:t>
+            </a:r>
+          </a:p>
+          <a:p>
+            <a:r>
+              <a:rPr lang="en-AU" i="1" dirty="0"/>
+              <a:t>@fadds</a:t>
+            </a:r>
+            <a:r>
+              <a:rPr lang="en-AU" dirty="0"/>
+              <a:t> is used for the final addition of </a:t>
+            </a:r>
+            <a:r>
+              <a:rPr lang="en-AU" i="1" dirty="0" err="1"/>
+              <a:t>b_dsd</a:t>
+            </a:r>
+            <a:endParaRPr lang="en-AU" i="1" dirty="0"/>
+          </a:p>
+          <a:p>
+            <a:endParaRPr lang="en-AU" dirty="0"/>
+          </a:p>
+          <a:p>
+            <a:endParaRPr lang="en-AU" b="0" dirty="0">
+              <a:solidFill>
+                <a:srgbClr val="CCCCCC"/>
+              </a:solidFill>
+              <a:effectLst/>
+              <a:latin typeface="Menlo" panose="020B0609030804020204" pitchFamily="49" charset="0"/>
+            </a:endParaRPr>
+          </a:p>
+          <a:p>
+            <a:endParaRPr lang="en-GB" b="0" dirty="0">
+              <a:solidFill>
+                <a:srgbClr val="CCCCCC"/>
+              </a:solidFill>
+              <a:effectLst/>
+              <a:latin typeface="Menlo" panose="020B0609030804020204" pitchFamily="49" charset="0"/>
+            </a:endParaRPr>
+          </a:p>
+        </p:txBody>
+      </p:sp>
+      <p:sp>
+        <p:nvSpPr>
+          <p:cNvPr id="2" name="Title 1">
+            <a:extLst>
+              <a:ext uri="{FF2B5EF4-FFF2-40B4-BE49-F238E27FC236}">
+                <a16:creationId xmlns:a16="http://schemas.microsoft.com/office/drawing/2014/main" id="{9C32B9BB-9B28-D34A-8B6B-CA0763BA5B81}"/>
+              </a:ext>
+            </a:extLst>
+          </p:cNvPr>
+          <p:cNvSpPr>
+            <a:spLocks noGrp="1"/>
+          </p:cNvSpPr>
+          <p:nvPr>
+            <p:ph type="title"/>
+          </p:nvPr>
+        </p:nvSpPr>
+        <p:spPr>
+          <a:xfrm>
+            <a:off x="361543" y="508958"/>
+            <a:ext cx="10998200" cy="795852"/>
+          </a:xfrm>
+        </p:spPr>
+        <p:txBody>
+          <a:bodyPr>
+            <a:normAutofit fontScale="90000"/>
+          </a:bodyPr>
+          <a:lstStyle/>
+          <a:p>
+            <a:r>
+              <a:rPr lang="en-US" dirty="0"/>
+              <a:t>Wash-up for hands on exercise one : </a:t>
+            </a:r>
+            <a:r>
+              <a:rPr lang="en-US" dirty="0" err="1"/>
+              <a:t>gemv</a:t>
+            </a:r>
+            <a:r>
+              <a:rPr lang="en-US" dirty="0"/>
+              <a:t>() solution B</a:t>
+            </a:r>
+          </a:p>
+        </p:txBody>
+      </p:sp>
+      <p:pic>
+        <p:nvPicPr>
+          <p:cNvPr id="6" name="Picture 5" descr="A computer screen with text&#10;&#10;Description automatically generated">
+            <a:extLst>
+              <a:ext uri="{FF2B5EF4-FFF2-40B4-BE49-F238E27FC236}">
+                <a16:creationId xmlns:a16="http://schemas.microsoft.com/office/drawing/2014/main" id="{CB00C414-F8E6-3F5E-EEDD-56F6D5683248}"/>
+              </a:ext>
+            </a:extLst>
+          </p:cNvPr>
+          <p:cNvPicPr>
+            <a:picLocks noChangeAspect="1"/>
+          </p:cNvPicPr>
+          <p:nvPr/>
+        </p:nvPicPr>
+        <p:blipFill>
+          <a:blip r:embed="rId3"/>
+          <a:stretch>
+            <a:fillRect/>
+          </a:stretch>
+        </p:blipFill>
+        <p:spPr>
+          <a:xfrm>
+            <a:off x="2209800" y="3407009"/>
+            <a:ext cx="7772400" cy="3157537"/>
+          </a:xfrm>
+          <a:prstGeom prst="rect">
+            <a:avLst/>
+          </a:prstGeom>
+        </p:spPr>
+      </p:pic>
+    </p:spTree>
+    <p:extLst>
+      <p:ext uri="{BB962C8B-B14F-4D97-AF65-F5344CB8AC3E}">
+        <p14:creationId xmlns:p14="http://schemas.microsoft.com/office/powerpoint/2010/main" val="2144659150"/>
       </p:ext>
     </p:extLst>
   </p:cSld>

--- a/lectures/powerpoints/hands-on-1+washup.pptx
+++ b/lectures/powerpoints/hands-on-1+washup.pptx
@@ -142,7 +142,7 @@
 <file path=ppt/revisionInfo.xml><?xml version="1.0" encoding="utf-8"?>
 <p1510:revInfo xmlns:a="http://schemas.openxmlformats.org/drawingml/2006/main" xmlns:r="http://schemas.openxmlformats.org/officeDocument/2006/relationships" xmlns:p1510="http://schemas.microsoft.com/office/powerpoint/2015/10/main">
   <p1510:revLst>
-    <p1510:client id="{83CC9C81-F8EE-4DE1-AFC3-119F5C7D625A}" v="5" dt="2023-12-19T18:41:19.283"/>
+    <p1510:client id="{9FB6E9A1-7EC2-4B66-9576-41C8832A0C04}" v="1" dt="2024-05-02T09:42:46.455"/>
   </p1510:revLst>
 </p1510:revInfo>
 </file>
@@ -204,7 +204,7 @@
           <a:p>
             <a:fld id="{237A3326-6BE8-4DE2-A526-66D6DC5DC342}" type="datetimeFigureOut">
               <a:rPr lang="en-GB" smtClean="0"/>
-              <a:t>19/12/2023</a:t>
+              <a:t>02/05/2024</a:t>
             </a:fld>
             <a:endParaRPr lang="en-GB"/>
           </a:p>
@@ -381,7 +381,7 @@
           <a:p>
             <a:fld id="{198E9702-0021-4473-93B9-41638846F4C4}" type="datetimeFigureOut">
               <a:rPr lang="en-GB" smtClean="0"/>
-              <a:t>19/12/2023</a:t>
+              <a:t>02/05/2024</a:t>
             </a:fld>
             <a:endParaRPr lang="en-GB"/>
           </a:p>
@@ -1628,7 +1628,7 @@
           <a:p>
             <a:fld id="{B1836D41-3C4D-1D49-AA54-4231464E6415}" type="datetimeFigureOut">
               <a:rPr lang="en-US" smtClean="0"/>
-              <a:t>12/19/2023</a:t>
+              <a:t>5/2/2024</a:t>
             </a:fld>
             <a:endParaRPr lang="en-US"/>
           </a:p>
@@ -1832,7 +1832,7 @@
           <a:p>
             <a:fld id="{B1836D41-3C4D-1D49-AA54-4231464E6415}" type="datetimeFigureOut">
               <a:rPr lang="en-US" smtClean="0"/>
-              <a:t>12/19/2023</a:t>
+              <a:t>5/2/2024</a:t>
             </a:fld>
             <a:endParaRPr lang="en-US"/>
           </a:p>
@@ -2013,7 +2013,7 @@
           <a:p>
             <a:fld id="{B1836D41-3C4D-1D49-AA54-4231464E6415}" type="datetimeFigureOut">
               <a:rPr lang="en-US" smtClean="0"/>
-              <a:t>12/19/2023</a:t>
+              <a:t>5/2/2024</a:t>
             </a:fld>
             <a:endParaRPr lang="en-US"/>
           </a:p>
@@ -2188,7 +2188,7 @@
           <a:p>
             <a:fld id="{B1836D41-3C4D-1D49-AA54-4231464E6415}" type="datetimeFigureOut">
               <a:rPr lang="en-US" smtClean="0"/>
-              <a:t>12/19/2023</a:t>
+              <a:t>5/2/2024</a:t>
             </a:fld>
             <a:endParaRPr lang="en-US"/>
           </a:p>
@@ -2436,7 +2436,7 @@
           <a:p>
             <a:fld id="{B1836D41-3C4D-1D49-AA54-4231464E6415}" type="datetimeFigureOut">
               <a:rPr lang="en-US" smtClean="0"/>
-              <a:t>12/19/2023</a:t>
+              <a:t>5/2/2024</a:t>
             </a:fld>
             <a:endParaRPr lang="en-US"/>
           </a:p>
@@ -2753,7 +2753,7 @@
           <a:p>
             <a:fld id="{B1836D41-3C4D-1D49-AA54-4231464E6415}" type="datetimeFigureOut">
               <a:rPr lang="en-US" smtClean="0"/>
-              <a:t>12/19/2023</a:t>
+              <a:t>5/2/2024</a:t>
             </a:fld>
             <a:endParaRPr lang="en-US"/>
           </a:p>
@@ -3219,7 +3219,7 @@
           <a:p>
             <a:fld id="{B1836D41-3C4D-1D49-AA54-4231464E6415}" type="datetimeFigureOut">
               <a:rPr lang="en-US" smtClean="0"/>
-              <a:t>12/19/2023</a:t>
+              <a:t>5/2/2024</a:t>
             </a:fld>
             <a:endParaRPr lang="en-US"/>
           </a:p>
@@ -3366,7 +3366,7 @@
           <a:p>
             <a:fld id="{B1836D41-3C4D-1D49-AA54-4231464E6415}" type="datetimeFigureOut">
               <a:rPr lang="en-US" smtClean="0"/>
-              <a:t>12/19/2023</a:t>
+              <a:t>5/2/2024</a:t>
             </a:fld>
             <a:endParaRPr lang="en-US"/>
           </a:p>
@@ -3456,7 +3456,7 @@
           <a:p>
             <a:fld id="{B1836D41-3C4D-1D49-AA54-4231464E6415}" type="datetimeFigureOut">
               <a:rPr lang="en-US" smtClean="0"/>
-              <a:t>12/19/2023</a:t>
+              <a:t>5/2/2024</a:t>
             </a:fld>
             <a:endParaRPr lang="en-US"/>
           </a:p>
@@ -3730,7 +3730,7 @@
           <a:p>
             <a:fld id="{B1836D41-3C4D-1D49-AA54-4231464E6415}" type="datetimeFigureOut">
               <a:rPr lang="en-US" smtClean="0"/>
-              <a:t>12/19/2023</a:t>
+              <a:t>5/2/2024</a:t>
             </a:fld>
             <a:endParaRPr lang="en-US"/>
           </a:p>
@@ -4035,7 +4035,7 @@
           <a:p>
             <a:fld id="{B1836D41-3C4D-1D49-AA54-4231464E6415}" type="datetimeFigureOut">
               <a:rPr lang="en-US" smtClean="0"/>
-              <a:t>12/19/2023</a:t>
+              <a:t>5/2/2024</a:t>
             </a:fld>
             <a:endParaRPr lang="en-US"/>
           </a:p>
@@ -4332,7 +4332,7 @@
           <a:p>
             <a:fld id="{B1836D41-3C4D-1D49-AA54-4231464E6415}" type="datetimeFigureOut">
               <a:rPr lang="en-US" smtClean="0"/>
-              <a:t>12/19/2023</a:t>
+              <a:t>5/2/2024</a:t>
             </a:fld>
             <a:endParaRPr lang="en-US"/>
           </a:p>
@@ -5017,8 +5017,8 @@
         </p:nvSpPr>
         <p:spPr>
           <a:xfrm>
-            <a:off x="361543" y="1556792"/>
-            <a:ext cx="5166520" cy="4824518"/>
+            <a:off x="361440" y="1304810"/>
+            <a:ext cx="6526647" cy="4824518"/>
           </a:xfrm>
         </p:spPr>
         <p:txBody>
@@ -5067,13 +5067,8 @@
           <a:p>
             <a:r>
               <a:rPr lang="en-US" dirty="0"/>
-              <a:t>y = b + </a:t>
-            </a:r>
-            <a:r>
-              <a:rPr lang="en-US" dirty="0" err="1"/>
-              <a:t>A@x</a:t>
-            </a:r>
-            <a:endParaRPr lang="en-US" dirty="0"/>
+              <a:t>y = b + A*x</a:t>
+            </a:r>
           </a:p>
         </p:txBody>
       </p:sp>
@@ -5132,7 +5127,7 @@
         </p:blipFill>
         <p:spPr>
           <a:xfrm>
-            <a:off x="6528048" y="384848"/>
+            <a:off x="6672064" y="404664"/>
             <a:ext cx="5456054" cy="6411456"/>
           </a:xfrm>
           <a:prstGeom prst="rect">
@@ -5140,6 +5135,187 @@
           </a:prstGeom>
         </p:spPr>
       </p:pic>
+      <p:sp>
+        <p:nvSpPr>
+          <p:cNvPr id="5" name="TextBox 4">
+            <a:extLst>
+              <a:ext uri="{FF2B5EF4-FFF2-40B4-BE49-F238E27FC236}">
+                <a16:creationId xmlns:a16="http://schemas.microsoft.com/office/drawing/2014/main" id="{05901A65-CDA2-41DB-3730-8FEF49B01677}"/>
+              </a:ext>
+            </a:extLst>
+          </p:cNvPr>
+          <p:cNvSpPr txBox="1"/>
+          <p:nvPr/>
+        </p:nvSpPr>
+        <p:spPr>
+          <a:xfrm>
+            <a:off x="335360" y="5157192"/>
+            <a:ext cx="4824536" cy="1477328"/>
+          </a:xfrm>
+          <a:prstGeom prst="rect">
+            <a:avLst/>
+          </a:prstGeom>
+          <a:solidFill>
+            <a:srgbClr val="FFFF00">
+              <a:alpha val="15000"/>
+            </a:srgbClr>
+          </a:solidFill>
+          <a:ln>
+            <a:solidFill>
+              <a:schemeClr val="tx1"/>
+            </a:solidFill>
+          </a:ln>
+        </p:spPr>
+        <p:txBody>
+          <a:bodyPr wrap="square" rtlCol="0">
+            <a:spAutoFit/>
+          </a:bodyPr>
+          <a:lstStyle/>
+          <a:p>
+            <a:r>
+              <a:rPr lang="en-GB" dirty="0">
+                <a:latin typeface="Courier New" panose="02070309020205020404" pitchFamily="49" charset="0"/>
+                <a:cs typeface="Courier New" panose="02070309020205020404" pitchFamily="49" charset="0"/>
+              </a:rPr>
+              <a:t>for </a:t>
+            </a:r>
+            <a:r>
+              <a:rPr lang="en-GB" dirty="0" err="1">
+                <a:latin typeface="Courier New" panose="02070309020205020404" pitchFamily="49" charset="0"/>
+                <a:cs typeface="Courier New" panose="02070309020205020404" pitchFamily="49" charset="0"/>
+              </a:rPr>
+              <a:t>i</a:t>
+            </a:r>
+            <a:r>
+              <a:rPr lang="en-GB" dirty="0">
+                <a:latin typeface="Courier New" panose="02070309020205020404" pitchFamily="49" charset="0"/>
+                <a:cs typeface="Courier New" panose="02070309020205020404" pitchFamily="49" charset="0"/>
+              </a:rPr>
+              <a:t> from 0 to M-1:</a:t>
+            </a:r>
+          </a:p>
+          <a:p>
+            <a:r>
+              <a:rPr lang="en-GB" dirty="0">
+                <a:latin typeface="Courier New" panose="02070309020205020404" pitchFamily="49" charset="0"/>
+                <a:cs typeface="Courier New" panose="02070309020205020404" pitchFamily="49" charset="0"/>
+              </a:rPr>
+              <a:t>    </a:t>
+            </a:r>
+            <a:r>
+              <a:rPr lang="en-GB" dirty="0" err="1">
+                <a:latin typeface="Courier New" panose="02070309020205020404" pitchFamily="49" charset="0"/>
+                <a:cs typeface="Courier New" panose="02070309020205020404" pitchFamily="49" charset="0"/>
+              </a:rPr>
+              <a:t>tmp</a:t>
+            </a:r>
+            <a:r>
+              <a:rPr lang="en-GB" dirty="0">
+                <a:latin typeface="Courier New" panose="02070309020205020404" pitchFamily="49" charset="0"/>
+                <a:cs typeface="Courier New" panose="02070309020205020404" pitchFamily="49" charset="0"/>
+              </a:rPr>
+              <a:t> = 0.0</a:t>
+            </a:r>
+          </a:p>
+          <a:p>
+            <a:r>
+              <a:rPr lang="en-GB" dirty="0">
+                <a:latin typeface="Courier New" panose="02070309020205020404" pitchFamily="49" charset="0"/>
+                <a:cs typeface="Courier New" panose="02070309020205020404" pitchFamily="49" charset="0"/>
+              </a:rPr>
+              <a:t>    for j from 0 to N-1:</a:t>
+            </a:r>
+          </a:p>
+          <a:p>
+            <a:r>
+              <a:rPr lang="en-GB" dirty="0">
+                <a:latin typeface="Courier New" panose="02070309020205020404" pitchFamily="49" charset="0"/>
+                <a:cs typeface="Courier New" panose="02070309020205020404" pitchFamily="49" charset="0"/>
+              </a:rPr>
+              <a:t>        </a:t>
+            </a:r>
+            <a:r>
+              <a:rPr lang="en-GB" dirty="0" err="1">
+                <a:latin typeface="Courier New" panose="02070309020205020404" pitchFamily="49" charset="0"/>
+                <a:cs typeface="Courier New" panose="02070309020205020404" pitchFamily="49" charset="0"/>
+              </a:rPr>
+              <a:t>tmp</a:t>
+            </a:r>
+            <a:r>
+              <a:rPr lang="en-GB" dirty="0">
+                <a:latin typeface="Courier New" panose="02070309020205020404" pitchFamily="49" charset="0"/>
+                <a:cs typeface="Courier New" panose="02070309020205020404" pitchFamily="49" charset="0"/>
+              </a:rPr>
+              <a:t> += A[</a:t>
+            </a:r>
+            <a:r>
+              <a:rPr lang="en-GB" dirty="0" err="1">
+                <a:latin typeface="Courier New" panose="02070309020205020404" pitchFamily="49" charset="0"/>
+                <a:cs typeface="Courier New" panose="02070309020205020404" pitchFamily="49" charset="0"/>
+              </a:rPr>
+              <a:t>i</a:t>
+            </a:r>
+            <a:r>
+              <a:rPr lang="en-GB" dirty="0">
+                <a:latin typeface="Courier New" panose="02070309020205020404" pitchFamily="49" charset="0"/>
+                <a:cs typeface="Courier New" panose="02070309020205020404" pitchFamily="49" charset="0"/>
+              </a:rPr>
+              <a:t>*N + j] *x [j]</a:t>
+            </a:r>
+          </a:p>
+          <a:p>
+            <a:r>
+              <a:rPr lang="en-GB" dirty="0">
+                <a:latin typeface="Courier New" panose="02070309020205020404" pitchFamily="49" charset="0"/>
+                <a:cs typeface="Courier New" panose="02070309020205020404" pitchFamily="49" charset="0"/>
+              </a:rPr>
+              <a:t>    y[</a:t>
+            </a:r>
+            <a:r>
+              <a:rPr lang="en-GB" dirty="0" err="1">
+                <a:latin typeface="Courier New" panose="02070309020205020404" pitchFamily="49" charset="0"/>
+                <a:cs typeface="Courier New" panose="02070309020205020404" pitchFamily="49" charset="0"/>
+              </a:rPr>
+              <a:t>i</a:t>
+            </a:r>
+            <a:r>
+              <a:rPr lang="en-GB" dirty="0">
+                <a:latin typeface="Courier New" panose="02070309020205020404" pitchFamily="49" charset="0"/>
+                <a:cs typeface="Courier New" panose="02070309020205020404" pitchFamily="49" charset="0"/>
+              </a:rPr>
+              <a:t>] = </a:t>
+            </a:r>
+            <a:r>
+              <a:rPr lang="en-GB" dirty="0" err="1">
+                <a:latin typeface="Courier New" panose="02070309020205020404" pitchFamily="49" charset="0"/>
+                <a:cs typeface="Courier New" panose="02070309020205020404" pitchFamily="49" charset="0"/>
+              </a:rPr>
+              <a:t>tmp</a:t>
+            </a:r>
+            <a:r>
+              <a:rPr lang="en-GB" dirty="0">
+                <a:latin typeface="Courier New" panose="02070309020205020404" pitchFamily="49" charset="0"/>
+                <a:cs typeface="Courier New" panose="02070309020205020404" pitchFamily="49" charset="0"/>
+              </a:rPr>
+              <a:t> + b[</a:t>
+            </a:r>
+            <a:r>
+              <a:rPr lang="en-GB" dirty="0" err="1">
+                <a:latin typeface="Courier New" panose="02070309020205020404" pitchFamily="49" charset="0"/>
+                <a:cs typeface="Courier New" panose="02070309020205020404" pitchFamily="49" charset="0"/>
+              </a:rPr>
+              <a:t>i</a:t>
+            </a:r>
+            <a:r>
+              <a:rPr lang="en-GB" dirty="0">
+                <a:latin typeface="Courier New" panose="02070309020205020404" pitchFamily="49" charset="0"/>
+                <a:cs typeface="Courier New" panose="02070309020205020404" pitchFamily="49" charset="0"/>
+              </a:rPr>
+              <a:t>]</a:t>
+            </a:r>
+          </a:p>
+        </p:txBody>
+      </p:sp>
     </p:spTree>
     <p:extLst>
       <p:ext uri="{BB962C8B-B14F-4D97-AF65-F5344CB8AC3E}">

--- a/lectures/powerpoints/hands-on-1+washup.pptx
+++ b/lectures/powerpoints/hands-on-1+washup.pptx
@@ -1628,7 +1628,7 @@
           <a:p>
             <a:fld id="{B1836D41-3C4D-1D49-AA54-4231464E6415}" type="datetimeFigureOut">
               <a:rPr lang="en-US" smtClean="0"/>
-              <a:t>5/2/2024</a:t>
+              <a:t>5/2/24</a:t>
             </a:fld>
             <a:endParaRPr lang="en-US"/>
           </a:p>
@@ -1832,7 +1832,7 @@
           <a:p>
             <a:fld id="{B1836D41-3C4D-1D49-AA54-4231464E6415}" type="datetimeFigureOut">
               <a:rPr lang="en-US" smtClean="0"/>
-              <a:t>5/2/2024</a:t>
+              <a:t>5/2/24</a:t>
             </a:fld>
             <a:endParaRPr lang="en-US"/>
           </a:p>
@@ -2013,7 +2013,7 @@
           <a:p>
             <a:fld id="{B1836D41-3C4D-1D49-AA54-4231464E6415}" type="datetimeFigureOut">
               <a:rPr lang="en-US" smtClean="0"/>
-              <a:t>5/2/2024</a:t>
+              <a:t>5/2/24</a:t>
             </a:fld>
             <a:endParaRPr lang="en-US"/>
           </a:p>
@@ -2188,7 +2188,7 @@
           <a:p>
             <a:fld id="{B1836D41-3C4D-1D49-AA54-4231464E6415}" type="datetimeFigureOut">
               <a:rPr lang="en-US" smtClean="0"/>
-              <a:t>5/2/2024</a:t>
+              <a:t>5/2/24</a:t>
             </a:fld>
             <a:endParaRPr lang="en-US"/>
           </a:p>
@@ -2436,7 +2436,7 @@
           <a:p>
             <a:fld id="{B1836D41-3C4D-1D49-AA54-4231464E6415}" type="datetimeFigureOut">
               <a:rPr lang="en-US" smtClean="0"/>
-              <a:t>5/2/2024</a:t>
+              <a:t>5/2/24</a:t>
             </a:fld>
             <a:endParaRPr lang="en-US"/>
           </a:p>
@@ -2753,7 +2753,7 @@
           <a:p>
             <a:fld id="{B1836D41-3C4D-1D49-AA54-4231464E6415}" type="datetimeFigureOut">
               <a:rPr lang="en-US" smtClean="0"/>
-              <a:t>5/2/2024</a:t>
+              <a:t>5/2/24</a:t>
             </a:fld>
             <a:endParaRPr lang="en-US"/>
           </a:p>
@@ -3219,7 +3219,7 @@
           <a:p>
             <a:fld id="{B1836D41-3C4D-1D49-AA54-4231464E6415}" type="datetimeFigureOut">
               <a:rPr lang="en-US" smtClean="0"/>
-              <a:t>5/2/2024</a:t>
+              <a:t>5/2/24</a:t>
             </a:fld>
             <a:endParaRPr lang="en-US"/>
           </a:p>
@@ -3366,7 +3366,7 @@
           <a:p>
             <a:fld id="{B1836D41-3C4D-1D49-AA54-4231464E6415}" type="datetimeFigureOut">
               <a:rPr lang="en-US" smtClean="0"/>
-              <a:t>5/2/2024</a:t>
+              <a:t>5/2/24</a:t>
             </a:fld>
             <a:endParaRPr lang="en-US"/>
           </a:p>
@@ -3456,7 +3456,7 @@
           <a:p>
             <a:fld id="{B1836D41-3C4D-1D49-AA54-4231464E6415}" type="datetimeFigureOut">
               <a:rPr lang="en-US" smtClean="0"/>
-              <a:t>5/2/2024</a:t>
+              <a:t>5/2/24</a:t>
             </a:fld>
             <a:endParaRPr lang="en-US"/>
           </a:p>
@@ -3730,7 +3730,7 @@
           <a:p>
             <a:fld id="{B1836D41-3C4D-1D49-AA54-4231464E6415}" type="datetimeFigureOut">
               <a:rPr lang="en-US" smtClean="0"/>
-              <a:t>5/2/2024</a:t>
+              <a:t>5/2/24</a:t>
             </a:fld>
             <a:endParaRPr lang="en-US"/>
           </a:p>
@@ -4035,7 +4035,7 @@
           <a:p>
             <a:fld id="{B1836D41-3C4D-1D49-AA54-4231464E6415}" type="datetimeFigureOut">
               <a:rPr lang="en-US" smtClean="0"/>
-              <a:t>5/2/2024</a:t>
+              <a:t>5/2/24</a:t>
             </a:fld>
             <a:endParaRPr lang="en-US"/>
           </a:p>
@@ -4332,7 +4332,7 @@
           <a:p>
             <a:fld id="{B1836D41-3C4D-1D49-AA54-4231464E6415}" type="datetimeFigureOut">
               <a:rPr lang="en-US" smtClean="0"/>
-              <a:t>5/2/2024</a:t>
+              <a:t>5/2/24</a:t>
             </a:fld>
             <a:endParaRPr lang="en-US"/>
           </a:p>
@@ -5807,6 +5807,187 @@
               <a:t>Example of memory DSD from walkthrough 4</a:t>
             </a:r>
             <a:endParaRPr lang="en-US" dirty="0"/>
+          </a:p>
+        </p:txBody>
+      </p:sp>
+      <p:sp>
+        <p:nvSpPr>
+          <p:cNvPr id="4" name="TextBox 3">
+            <a:extLst>
+              <a:ext uri="{FF2B5EF4-FFF2-40B4-BE49-F238E27FC236}">
+                <a16:creationId xmlns:a16="http://schemas.microsoft.com/office/drawing/2014/main" id="{422F0D5B-616A-C24E-92A3-FBE75F276AEA}"/>
+              </a:ext>
+            </a:extLst>
+          </p:cNvPr>
+          <p:cNvSpPr txBox="1"/>
+          <p:nvPr/>
+        </p:nvSpPr>
+        <p:spPr>
+          <a:xfrm>
+            <a:off x="7367464" y="5380672"/>
+            <a:ext cx="4824536" cy="1477328"/>
+          </a:xfrm>
+          <a:prstGeom prst="rect">
+            <a:avLst/>
+          </a:prstGeom>
+          <a:solidFill>
+            <a:srgbClr val="FFFF00">
+              <a:alpha val="15000"/>
+            </a:srgbClr>
+          </a:solidFill>
+          <a:ln>
+            <a:solidFill>
+              <a:schemeClr val="tx1"/>
+            </a:solidFill>
+          </a:ln>
+        </p:spPr>
+        <p:txBody>
+          <a:bodyPr wrap="square" rtlCol="0">
+            <a:spAutoFit/>
+          </a:bodyPr>
+          <a:lstStyle/>
+          <a:p>
+            <a:r>
+              <a:rPr lang="en-GB" dirty="0">
+                <a:latin typeface="Courier New" panose="02070309020205020404" pitchFamily="49" charset="0"/>
+                <a:cs typeface="Courier New" panose="02070309020205020404" pitchFamily="49" charset="0"/>
+              </a:rPr>
+              <a:t>for </a:t>
+            </a:r>
+            <a:r>
+              <a:rPr lang="en-GB" dirty="0" err="1">
+                <a:latin typeface="Courier New" panose="02070309020205020404" pitchFamily="49" charset="0"/>
+                <a:cs typeface="Courier New" panose="02070309020205020404" pitchFamily="49" charset="0"/>
+              </a:rPr>
+              <a:t>i</a:t>
+            </a:r>
+            <a:r>
+              <a:rPr lang="en-GB" dirty="0">
+                <a:latin typeface="Courier New" panose="02070309020205020404" pitchFamily="49" charset="0"/>
+                <a:cs typeface="Courier New" panose="02070309020205020404" pitchFamily="49" charset="0"/>
+              </a:rPr>
+              <a:t> from 0 to M-1:</a:t>
+            </a:r>
+          </a:p>
+          <a:p>
+            <a:r>
+              <a:rPr lang="en-GB" dirty="0">
+                <a:latin typeface="Courier New" panose="02070309020205020404" pitchFamily="49" charset="0"/>
+                <a:cs typeface="Courier New" panose="02070309020205020404" pitchFamily="49" charset="0"/>
+              </a:rPr>
+              <a:t>    </a:t>
+            </a:r>
+            <a:r>
+              <a:rPr lang="en-GB" dirty="0" err="1">
+                <a:latin typeface="Courier New" panose="02070309020205020404" pitchFamily="49" charset="0"/>
+                <a:cs typeface="Courier New" panose="02070309020205020404" pitchFamily="49" charset="0"/>
+              </a:rPr>
+              <a:t>tmp</a:t>
+            </a:r>
+            <a:r>
+              <a:rPr lang="en-GB" dirty="0">
+                <a:latin typeface="Courier New" panose="02070309020205020404" pitchFamily="49" charset="0"/>
+                <a:cs typeface="Courier New" panose="02070309020205020404" pitchFamily="49" charset="0"/>
+              </a:rPr>
+              <a:t> = 0.0</a:t>
+            </a:r>
+          </a:p>
+          <a:p>
+            <a:r>
+              <a:rPr lang="en-GB" dirty="0">
+                <a:latin typeface="Courier New" panose="02070309020205020404" pitchFamily="49" charset="0"/>
+                <a:cs typeface="Courier New" panose="02070309020205020404" pitchFamily="49" charset="0"/>
+              </a:rPr>
+              <a:t>    for j from 0 to N-1:</a:t>
+            </a:r>
+          </a:p>
+          <a:p>
+            <a:r>
+              <a:rPr lang="en-GB" dirty="0">
+                <a:latin typeface="Courier New" panose="02070309020205020404" pitchFamily="49" charset="0"/>
+                <a:cs typeface="Courier New" panose="02070309020205020404" pitchFamily="49" charset="0"/>
+              </a:rPr>
+              <a:t>        </a:t>
+            </a:r>
+            <a:r>
+              <a:rPr lang="en-GB" dirty="0" err="1">
+                <a:latin typeface="Courier New" panose="02070309020205020404" pitchFamily="49" charset="0"/>
+                <a:cs typeface="Courier New" panose="02070309020205020404" pitchFamily="49" charset="0"/>
+              </a:rPr>
+              <a:t>tmp</a:t>
+            </a:r>
+            <a:r>
+              <a:rPr lang="en-GB" dirty="0">
+                <a:latin typeface="Courier New" panose="02070309020205020404" pitchFamily="49" charset="0"/>
+                <a:cs typeface="Courier New" panose="02070309020205020404" pitchFamily="49" charset="0"/>
+              </a:rPr>
+              <a:t> += A[</a:t>
+            </a:r>
+            <a:r>
+              <a:rPr lang="en-GB" dirty="0" err="1">
+                <a:latin typeface="Courier New" panose="02070309020205020404" pitchFamily="49" charset="0"/>
+                <a:cs typeface="Courier New" panose="02070309020205020404" pitchFamily="49" charset="0"/>
+              </a:rPr>
+              <a:t>i</a:t>
+            </a:r>
+            <a:r>
+              <a:rPr lang="en-GB" dirty="0">
+                <a:latin typeface="Courier New" panose="02070309020205020404" pitchFamily="49" charset="0"/>
+                <a:cs typeface="Courier New" panose="02070309020205020404" pitchFamily="49" charset="0"/>
+              </a:rPr>
+              <a:t>*N + j] *x [j]</a:t>
+            </a:r>
+          </a:p>
+          <a:p>
+            <a:r>
+              <a:rPr lang="en-GB" dirty="0">
+                <a:latin typeface="Courier New" panose="02070309020205020404" pitchFamily="49" charset="0"/>
+                <a:cs typeface="Courier New" panose="02070309020205020404" pitchFamily="49" charset="0"/>
+              </a:rPr>
+              <a:t>    y[</a:t>
+            </a:r>
+            <a:r>
+              <a:rPr lang="en-GB" dirty="0" err="1">
+                <a:latin typeface="Courier New" panose="02070309020205020404" pitchFamily="49" charset="0"/>
+                <a:cs typeface="Courier New" panose="02070309020205020404" pitchFamily="49" charset="0"/>
+              </a:rPr>
+              <a:t>i</a:t>
+            </a:r>
+            <a:r>
+              <a:rPr lang="en-GB" dirty="0">
+                <a:latin typeface="Courier New" panose="02070309020205020404" pitchFamily="49" charset="0"/>
+                <a:cs typeface="Courier New" panose="02070309020205020404" pitchFamily="49" charset="0"/>
+              </a:rPr>
+              <a:t>] = </a:t>
+            </a:r>
+            <a:r>
+              <a:rPr lang="en-GB" dirty="0" err="1">
+                <a:latin typeface="Courier New" panose="02070309020205020404" pitchFamily="49" charset="0"/>
+                <a:cs typeface="Courier New" panose="02070309020205020404" pitchFamily="49" charset="0"/>
+              </a:rPr>
+              <a:t>tmp</a:t>
+            </a:r>
+            <a:r>
+              <a:rPr lang="en-GB" dirty="0">
+                <a:latin typeface="Courier New" panose="02070309020205020404" pitchFamily="49" charset="0"/>
+                <a:cs typeface="Courier New" panose="02070309020205020404" pitchFamily="49" charset="0"/>
+              </a:rPr>
+              <a:t> + b[</a:t>
+            </a:r>
+            <a:r>
+              <a:rPr lang="en-GB" dirty="0" err="1">
+                <a:latin typeface="Courier New" panose="02070309020205020404" pitchFamily="49" charset="0"/>
+                <a:cs typeface="Courier New" panose="02070309020205020404" pitchFamily="49" charset="0"/>
+              </a:rPr>
+              <a:t>i</a:t>
+            </a:r>
+            <a:r>
+              <a:rPr lang="en-GB" dirty="0">
+                <a:latin typeface="Courier New" panose="02070309020205020404" pitchFamily="49" charset="0"/>
+                <a:cs typeface="Courier New" panose="02070309020205020404" pitchFamily="49" charset="0"/>
+              </a:rPr>
+              <a:t>]</a:t>
+            </a:r>
           </a:p>
         </p:txBody>
       </p:sp>
